--- a/Commun/Membres/Willy/Présentation revu de projet 1.pptx
+++ b/Commun/Membres/Willy/Présentation revu de projet 1.pptx
@@ -231,6 +231,148 @@
     </pc:docChg>
   </pc:docChgLst>
   <pc:docChgLst>
+    <pc:chgData name="Willy MICHAUD" userId="S::willy.michaud@stfelixlasalle.fr::dbdedba2-7654-45d8-a762-da47419eb1a2" providerId="AD" clId="Web-{DE157A87-B47F-14AE-00EB-8F497E6CED8B}"/>
+    <pc:docChg chg="addSld modSld sldOrd">
+      <pc:chgData name="Willy MICHAUD" userId="S::willy.michaud@stfelixlasalle.fr::dbdedba2-7654-45d8-a762-da47419eb1a2" providerId="AD" clId="Web-{DE157A87-B47F-14AE-00EB-8F497E6CED8B}" dt="2020-01-14T10:57:03.475" v="80" actId="14100"/>
+      <pc:docMkLst>
+        <pc:docMk/>
+      </pc:docMkLst>
+      <pc:sldChg chg="delSp modSp">
+        <pc:chgData name="Willy MICHAUD" userId="S::willy.michaud@stfelixlasalle.fr::dbdedba2-7654-45d8-a762-da47419eb1a2" providerId="AD" clId="Web-{DE157A87-B47F-14AE-00EB-8F497E6CED8B}" dt="2020-01-14T10:47:18.394" v="33"/>
+        <pc:sldMkLst>
+          <pc:docMk/>
+          <pc:sldMk cId="3784089036" sldId="256"/>
+        </pc:sldMkLst>
+        <pc:spChg chg="del mod">
+          <ac:chgData name="Willy MICHAUD" userId="S::willy.michaud@stfelixlasalle.fr::dbdedba2-7654-45d8-a762-da47419eb1a2" providerId="AD" clId="Web-{DE157A87-B47F-14AE-00EB-8F497E6CED8B}" dt="2020-01-14T10:46:53.284" v="27"/>
+          <ac:spMkLst>
+            <pc:docMk/>
+            <pc:sldMk cId="3784089036" sldId="256"/>
+            <ac:spMk id="6" creationId="{D2BF0967-DCDB-4A52-A5E9-E1FB2FA3CD1D}"/>
+          </ac:spMkLst>
+        </pc:spChg>
+        <pc:graphicFrameChg chg="mod modGraphic">
+          <ac:chgData name="Willy MICHAUD" userId="S::willy.michaud@stfelixlasalle.fr::dbdedba2-7654-45d8-a762-da47419eb1a2" providerId="AD" clId="Web-{DE157A87-B47F-14AE-00EB-8F497E6CED8B}" dt="2020-01-14T10:47:18.394" v="33"/>
+          <ac:graphicFrameMkLst>
+            <pc:docMk/>
+            <pc:sldMk cId="3784089036" sldId="256"/>
+            <ac:graphicFrameMk id="5" creationId="{BDD679C4-B077-4B04-87BB-7B52B79914E3}"/>
+          </ac:graphicFrameMkLst>
+        </pc:graphicFrameChg>
+      </pc:sldChg>
+      <pc:sldChg chg="addSp delSp modSp mod setBg setClrOvrMap">
+        <pc:chgData name="Willy MICHAUD" userId="S::willy.michaud@stfelixlasalle.fr::dbdedba2-7654-45d8-a762-da47419eb1a2" providerId="AD" clId="Web-{DE157A87-B47F-14AE-00EB-8F497E6CED8B}" dt="2020-01-14T10:45:58.159" v="24"/>
+        <pc:sldMkLst>
+          <pc:docMk/>
+          <pc:sldMk cId="551106351" sldId="257"/>
+        </pc:sldMkLst>
+        <pc:spChg chg="mod">
+          <ac:chgData name="Willy MICHAUD" userId="S::willy.michaud@stfelixlasalle.fr::dbdedba2-7654-45d8-a762-da47419eb1a2" providerId="AD" clId="Web-{DE157A87-B47F-14AE-00EB-8F497E6CED8B}" dt="2020-01-14T10:45:58.159" v="24"/>
+          <ac:spMkLst>
+            <pc:docMk/>
+            <pc:sldMk cId="551106351" sldId="257"/>
+            <ac:spMk id="2" creationId="{AA63CC7F-CC91-4625-ACAB-DC530E988AF6}"/>
+          </ac:spMkLst>
+        </pc:spChg>
+        <pc:spChg chg="add mod">
+          <ac:chgData name="Willy MICHAUD" userId="S::willy.michaud@stfelixlasalle.fr::dbdedba2-7654-45d8-a762-da47419eb1a2" providerId="AD" clId="Web-{DE157A87-B47F-14AE-00EB-8F497E6CED8B}" dt="2020-01-14T10:45:58.159" v="24"/>
+          <ac:spMkLst>
+            <pc:docMk/>
+            <pc:sldMk cId="551106351" sldId="257"/>
+            <ac:spMk id="3" creationId="{343BB745-DC8F-4EB9-A582-E2014E6174D3}"/>
+          </ac:spMkLst>
+        </pc:spChg>
+        <pc:spChg chg="del">
+          <ac:chgData name="Willy MICHAUD" userId="S::willy.michaud@stfelixlasalle.fr::dbdedba2-7654-45d8-a762-da47419eb1a2" providerId="AD" clId="Web-{DE157A87-B47F-14AE-00EB-8F497E6CED8B}" dt="2020-01-14T10:43:38.393" v="0"/>
+          <ac:spMkLst>
+            <pc:docMk/>
+            <pc:sldMk cId="551106351" sldId="257"/>
+            <ac:spMk id="5" creationId="{4E0D1194-B056-4CFB-88FD-2F31ED892520}"/>
+          </ac:spMkLst>
+        </pc:spChg>
+        <pc:spChg chg="add del">
+          <ac:chgData name="Willy MICHAUD" userId="S::willy.michaud@stfelixlasalle.fr::dbdedba2-7654-45d8-a762-da47419eb1a2" providerId="AD" clId="Web-{DE157A87-B47F-14AE-00EB-8F497E6CED8B}" dt="2020-01-14T10:45:58.159" v="24"/>
+          <ac:spMkLst>
+            <pc:docMk/>
+            <pc:sldMk cId="551106351" sldId="257"/>
+            <ac:spMk id="8" creationId="{23962611-DFD5-4092-AAFD-559E3DFCE2C9}"/>
+          </ac:spMkLst>
+        </pc:spChg>
+        <pc:spChg chg="add">
+          <ac:chgData name="Willy MICHAUD" userId="S::willy.michaud@stfelixlasalle.fr::dbdedba2-7654-45d8-a762-da47419eb1a2" providerId="AD" clId="Web-{DE157A87-B47F-14AE-00EB-8F497E6CED8B}" dt="2020-01-14T10:45:58.159" v="24"/>
+          <ac:spMkLst>
+            <pc:docMk/>
+            <pc:sldMk cId="551106351" sldId="257"/>
+            <ac:spMk id="20" creationId="{053FB2EE-284F-4C87-AB3D-BBF87A9FAB97}"/>
+          </ac:spMkLst>
+        </pc:spChg>
+        <pc:grpChg chg="add">
+          <ac:chgData name="Willy MICHAUD" userId="S::willy.michaud@stfelixlasalle.fr::dbdedba2-7654-45d8-a762-da47419eb1a2" providerId="AD" clId="Web-{DE157A87-B47F-14AE-00EB-8F497E6CED8B}" dt="2020-01-14T10:45:58.159" v="24"/>
+          <ac:grpSpMkLst>
+            <pc:docMk/>
+            <pc:sldMk cId="551106351" sldId="257"/>
+            <ac:grpSpMk id="15" creationId="{D2C4BFA1-2075-4901-9E24-E41D1FDD51FD}"/>
+          </ac:grpSpMkLst>
+        </pc:grpChg>
+        <pc:picChg chg="add del">
+          <ac:chgData name="Willy MICHAUD" userId="S::willy.michaud@stfelixlasalle.fr::dbdedba2-7654-45d8-a762-da47419eb1a2" providerId="AD" clId="Web-{DE157A87-B47F-14AE-00EB-8F497E6CED8B}" dt="2020-01-14T10:45:58.159" v="24"/>
+          <ac:picMkLst>
+            <pc:docMk/>
+            <pc:sldMk cId="551106351" sldId="257"/>
+            <ac:picMk id="10" creationId="{2270F1FA-0425-408F-9861-80BF5AFB276D}"/>
+          </ac:picMkLst>
+        </pc:picChg>
+      </pc:sldChg>
+      <pc:sldChg chg="addSp delSp modSp new ord">
+        <pc:chgData name="Willy MICHAUD" userId="S::willy.michaud@stfelixlasalle.fr::dbdedba2-7654-45d8-a762-da47419eb1a2" providerId="AD" clId="Web-{DE157A87-B47F-14AE-00EB-8F497E6CED8B}" dt="2020-01-14T10:56:45.194" v="79" actId="14100"/>
+        <pc:sldMkLst>
+          <pc:docMk/>
+          <pc:sldMk cId="4029014707" sldId="258"/>
+        </pc:sldMkLst>
+        <pc:spChg chg="del">
+          <ac:chgData name="Willy MICHAUD" userId="S::willy.michaud@stfelixlasalle.fr::dbdedba2-7654-45d8-a762-da47419eb1a2" providerId="AD" clId="Web-{DE157A87-B47F-14AE-00EB-8F497E6CED8B}" dt="2020-01-14T10:48:51.676" v="37"/>
+          <ac:spMkLst>
+            <pc:docMk/>
+            <pc:sldMk cId="4029014707" sldId="258"/>
+            <ac:spMk id="2" creationId="{F0FBF85F-9D62-441C-9A91-D6093B14E130}"/>
+          </ac:spMkLst>
+        </pc:spChg>
+        <pc:spChg chg="del">
+          <ac:chgData name="Willy MICHAUD" userId="S::willy.michaud@stfelixlasalle.fr::dbdedba2-7654-45d8-a762-da47419eb1a2" providerId="AD" clId="Web-{DE157A87-B47F-14AE-00EB-8F497E6CED8B}" dt="2020-01-14T10:48:49.957" v="36"/>
+          <ac:spMkLst>
+            <pc:docMk/>
+            <pc:sldMk cId="4029014707" sldId="258"/>
+            <ac:spMk id="3" creationId="{68503149-7F13-4C7D-95CF-142D9B3478B1}"/>
+          </ac:spMkLst>
+        </pc:spChg>
+        <pc:spChg chg="add mod">
+          <ac:chgData name="Willy MICHAUD" userId="S::willy.michaud@stfelixlasalle.fr::dbdedba2-7654-45d8-a762-da47419eb1a2" providerId="AD" clId="Web-{DE157A87-B47F-14AE-00EB-8F497E6CED8B}" dt="2020-01-14T10:56:45.194" v="79" actId="14100"/>
+          <ac:spMkLst>
+            <pc:docMk/>
+            <pc:sldMk cId="4029014707" sldId="258"/>
+            <ac:spMk id="4" creationId="{DA431FFE-29EC-4015-A7B7-39806B89C0D9}"/>
+          </ac:spMkLst>
+        </pc:spChg>
+        <pc:spChg chg="add del mod">
+          <ac:chgData name="Willy MICHAUD" userId="S::willy.michaud@stfelixlasalle.fr::dbdedba2-7654-45d8-a762-da47419eb1a2" providerId="AD" clId="Web-{DE157A87-B47F-14AE-00EB-8F497E6CED8B}" dt="2020-01-14T10:50:46.364" v="45"/>
+          <ac:spMkLst>
+            <pc:docMk/>
+            <pc:sldMk cId="4029014707" sldId="258"/>
+            <ac:spMk id="5" creationId="{60E0CA5F-3762-42A1-9315-FBAF9A5AA373}"/>
+          </ac:spMkLst>
+        </pc:spChg>
+        <pc:picChg chg="add mod">
+          <ac:chgData name="Willy MICHAUD" userId="S::willy.michaud@stfelixlasalle.fr::dbdedba2-7654-45d8-a762-da47419eb1a2" providerId="AD" clId="Web-{DE157A87-B47F-14AE-00EB-8F497E6CED8B}" dt="2020-01-14T10:54:35.631" v="48" actId="1076"/>
+          <ac:picMkLst>
+            <pc:docMk/>
+            <pc:sldMk cId="4029014707" sldId="258"/>
+            <ac:picMk id="6" creationId="{ABBF7179-EA22-4A26-B48F-561977F471F1}"/>
+          </ac:picMkLst>
+        </pc:picChg>
+      </pc:sldChg>
+    </pc:docChg>
+  </pc:docChgLst>
+  <pc:docChgLst>
     <pc:chgData name="Camille LAHAUT" userId="512bb541-1bf7-451d-b975-a653a10dbe18" providerId="ADAL" clId="{1E8EAA93-ACDA-4754-966E-31AE0A8CA04C}"/>
     <pc:docChg chg="modSld">
       <pc:chgData name="Camille LAHAUT" userId="512bb541-1bf7-451d-b975-a653a10dbe18" providerId="ADAL" clId="{1E8EAA93-ACDA-4754-966E-31AE0A8CA04C}" dt="2020-01-17T08:25:13.288" v="0" actId="20577"/>
@@ -251,148 +393,6 @@
             <ac:spMk id="3" creationId="{766E25BE-9585-4959-9133-8E56A77E9475}"/>
           </ac:spMkLst>
         </pc:spChg>
-      </pc:sldChg>
-    </pc:docChg>
-  </pc:docChgLst>
-  <pc:docChgLst>
-    <pc:chgData name="Willy MICHAUD" userId="S::willy.michaud@stfelixlasalle.fr::dbdedba2-7654-45d8-a762-da47419eb1a2" providerId="AD" clId="Web-{DE157A87-B47F-14AE-00EB-8F497E6CED8B}"/>
-    <pc:docChg chg="addSld modSld sldOrd">
-      <pc:chgData name="Willy MICHAUD" userId="S::willy.michaud@stfelixlasalle.fr::dbdedba2-7654-45d8-a762-da47419eb1a2" providerId="AD" clId="Web-{DE157A87-B47F-14AE-00EB-8F497E6CED8B}" dt="2020-01-14T10:57:03.475" v="80" actId="14100"/>
-      <pc:docMkLst>
-        <pc:docMk/>
-      </pc:docMkLst>
-      <pc:sldChg chg="delSp modSp">
-        <pc:chgData name="Willy MICHAUD" userId="S::willy.michaud@stfelixlasalle.fr::dbdedba2-7654-45d8-a762-da47419eb1a2" providerId="AD" clId="Web-{DE157A87-B47F-14AE-00EB-8F497E6CED8B}" dt="2020-01-14T10:47:18.394" v="33"/>
-        <pc:sldMkLst>
-          <pc:docMk/>
-          <pc:sldMk cId="3784089036" sldId="256"/>
-        </pc:sldMkLst>
-        <pc:spChg chg="del mod">
-          <ac:chgData name="Willy MICHAUD" userId="S::willy.michaud@stfelixlasalle.fr::dbdedba2-7654-45d8-a762-da47419eb1a2" providerId="AD" clId="Web-{DE157A87-B47F-14AE-00EB-8F497E6CED8B}" dt="2020-01-14T10:46:53.284" v="27"/>
-          <ac:spMkLst>
-            <pc:docMk/>
-            <pc:sldMk cId="3784089036" sldId="256"/>
-            <ac:spMk id="6" creationId="{D2BF0967-DCDB-4A52-A5E9-E1FB2FA3CD1D}"/>
-          </ac:spMkLst>
-        </pc:spChg>
-        <pc:graphicFrameChg chg="mod modGraphic">
-          <ac:chgData name="Willy MICHAUD" userId="S::willy.michaud@stfelixlasalle.fr::dbdedba2-7654-45d8-a762-da47419eb1a2" providerId="AD" clId="Web-{DE157A87-B47F-14AE-00EB-8F497E6CED8B}" dt="2020-01-14T10:47:18.394" v="33"/>
-          <ac:graphicFrameMkLst>
-            <pc:docMk/>
-            <pc:sldMk cId="3784089036" sldId="256"/>
-            <ac:graphicFrameMk id="5" creationId="{BDD679C4-B077-4B04-87BB-7B52B79914E3}"/>
-          </ac:graphicFrameMkLst>
-        </pc:graphicFrameChg>
-      </pc:sldChg>
-      <pc:sldChg chg="addSp delSp modSp mod setBg setClrOvrMap">
-        <pc:chgData name="Willy MICHAUD" userId="S::willy.michaud@stfelixlasalle.fr::dbdedba2-7654-45d8-a762-da47419eb1a2" providerId="AD" clId="Web-{DE157A87-B47F-14AE-00EB-8F497E6CED8B}" dt="2020-01-14T10:45:58.159" v="24"/>
-        <pc:sldMkLst>
-          <pc:docMk/>
-          <pc:sldMk cId="551106351" sldId="257"/>
-        </pc:sldMkLst>
-        <pc:spChg chg="mod">
-          <ac:chgData name="Willy MICHAUD" userId="S::willy.michaud@stfelixlasalle.fr::dbdedba2-7654-45d8-a762-da47419eb1a2" providerId="AD" clId="Web-{DE157A87-B47F-14AE-00EB-8F497E6CED8B}" dt="2020-01-14T10:45:58.159" v="24"/>
-          <ac:spMkLst>
-            <pc:docMk/>
-            <pc:sldMk cId="551106351" sldId="257"/>
-            <ac:spMk id="2" creationId="{AA63CC7F-CC91-4625-ACAB-DC530E988AF6}"/>
-          </ac:spMkLst>
-        </pc:spChg>
-        <pc:spChg chg="add mod">
-          <ac:chgData name="Willy MICHAUD" userId="S::willy.michaud@stfelixlasalle.fr::dbdedba2-7654-45d8-a762-da47419eb1a2" providerId="AD" clId="Web-{DE157A87-B47F-14AE-00EB-8F497E6CED8B}" dt="2020-01-14T10:45:58.159" v="24"/>
-          <ac:spMkLst>
-            <pc:docMk/>
-            <pc:sldMk cId="551106351" sldId="257"/>
-            <ac:spMk id="3" creationId="{343BB745-DC8F-4EB9-A582-E2014E6174D3}"/>
-          </ac:spMkLst>
-        </pc:spChg>
-        <pc:spChg chg="del">
-          <ac:chgData name="Willy MICHAUD" userId="S::willy.michaud@stfelixlasalle.fr::dbdedba2-7654-45d8-a762-da47419eb1a2" providerId="AD" clId="Web-{DE157A87-B47F-14AE-00EB-8F497E6CED8B}" dt="2020-01-14T10:43:38.393" v="0"/>
-          <ac:spMkLst>
-            <pc:docMk/>
-            <pc:sldMk cId="551106351" sldId="257"/>
-            <ac:spMk id="5" creationId="{4E0D1194-B056-4CFB-88FD-2F31ED892520}"/>
-          </ac:spMkLst>
-        </pc:spChg>
-        <pc:spChg chg="add del">
-          <ac:chgData name="Willy MICHAUD" userId="S::willy.michaud@stfelixlasalle.fr::dbdedba2-7654-45d8-a762-da47419eb1a2" providerId="AD" clId="Web-{DE157A87-B47F-14AE-00EB-8F497E6CED8B}" dt="2020-01-14T10:45:58.159" v="24"/>
-          <ac:spMkLst>
-            <pc:docMk/>
-            <pc:sldMk cId="551106351" sldId="257"/>
-            <ac:spMk id="8" creationId="{23962611-DFD5-4092-AAFD-559E3DFCE2C9}"/>
-          </ac:spMkLst>
-        </pc:spChg>
-        <pc:spChg chg="add">
-          <ac:chgData name="Willy MICHAUD" userId="S::willy.michaud@stfelixlasalle.fr::dbdedba2-7654-45d8-a762-da47419eb1a2" providerId="AD" clId="Web-{DE157A87-B47F-14AE-00EB-8F497E6CED8B}" dt="2020-01-14T10:45:58.159" v="24"/>
-          <ac:spMkLst>
-            <pc:docMk/>
-            <pc:sldMk cId="551106351" sldId="257"/>
-            <ac:spMk id="20" creationId="{053FB2EE-284F-4C87-AB3D-BBF87A9FAB97}"/>
-          </ac:spMkLst>
-        </pc:spChg>
-        <pc:grpChg chg="add">
-          <ac:chgData name="Willy MICHAUD" userId="S::willy.michaud@stfelixlasalle.fr::dbdedba2-7654-45d8-a762-da47419eb1a2" providerId="AD" clId="Web-{DE157A87-B47F-14AE-00EB-8F497E6CED8B}" dt="2020-01-14T10:45:58.159" v="24"/>
-          <ac:grpSpMkLst>
-            <pc:docMk/>
-            <pc:sldMk cId="551106351" sldId="257"/>
-            <ac:grpSpMk id="15" creationId="{D2C4BFA1-2075-4901-9E24-E41D1FDD51FD}"/>
-          </ac:grpSpMkLst>
-        </pc:grpChg>
-        <pc:picChg chg="add del">
-          <ac:chgData name="Willy MICHAUD" userId="S::willy.michaud@stfelixlasalle.fr::dbdedba2-7654-45d8-a762-da47419eb1a2" providerId="AD" clId="Web-{DE157A87-B47F-14AE-00EB-8F497E6CED8B}" dt="2020-01-14T10:45:58.159" v="24"/>
-          <ac:picMkLst>
-            <pc:docMk/>
-            <pc:sldMk cId="551106351" sldId="257"/>
-            <ac:picMk id="10" creationId="{2270F1FA-0425-408F-9861-80BF5AFB276D}"/>
-          </ac:picMkLst>
-        </pc:picChg>
-      </pc:sldChg>
-      <pc:sldChg chg="addSp delSp modSp new ord">
-        <pc:chgData name="Willy MICHAUD" userId="S::willy.michaud@stfelixlasalle.fr::dbdedba2-7654-45d8-a762-da47419eb1a2" providerId="AD" clId="Web-{DE157A87-B47F-14AE-00EB-8F497E6CED8B}" dt="2020-01-14T10:56:45.194" v="79" actId="14100"/>
-        <pc:sldMkLst>
-          <pc:docMk/>
-          <pc:sldMk cId="4029014707" sldId="258"/>
-        </pc:sldMkLst>
-        <pc:spChg chg="del">
-          <ac:chgData name="Willy MICHAUD" userId="S::willy.michaud@stfelixlasalle.fr::dbdedba2-7654-45d8-a762-da47419eb1a2" providerId="AD" clId="Web-{DE157A87-B47F-14AE-00EB-8F497E6CED8B}" dt="2020-01-14T10:48:51.676" v="37"/>
-          <ac:spMkLst>
-            <pc:docMk/>
-            <pc:sldMk cId="4029014707" sldId="258"/>
-            <ac:spMk id="2" creationId="{F0FBF85F-9D62-441C-9A91-D6093B14E130}"/>
-          </ac:spMkLst>
-        </pc:spChg>
-        <pc:spChg chg="del">
-          <ac:chgData name="Willy MICHAUD" userId="S::willy.michaud@stfelixlasalle.fr::dbdedba2-7654-45d8-a762-da47419eb1a2" providerId="AD" clId="Web-{DE157A87-B47F-14AE-00EB-8F497E6CED8B}" dt="2020-01-14T10:48:49.957" v="36"/>
-          <ac:spMkLst>
-            <pc:docMk/>
-            <pc:sldMk cId="4029014707" sldId="258"/>
-            <ac:spMk id="3" creationId="{68503149-7F13-4C7D-95CF-142D9B3478B1}"/>
-          </ac:spMkLst>
-        </pc:spChg>
-        <pc:spChg chg="add mod">
-          <ac:chgData name="Willy MICHAUD" userId="S::willy.michaud@stfelixlasalle.fr::dbdedba2-7654-45d8-a762-da47419eb1a2" providerId="AD" clId="Web-{DE157A87-B47F-14AE-00EB-8F497E6CED8B}" dt="2020-01-14T10:56:45.194" v="79" actId="14100"/>
-          <ac:spMkLst>
-            <pc:docMk/>
-            <pc:sldMk cId="4029014707" sldId="258"/>
-            <ac:spMk id="4" creationId="{DA431FFE-29EC-4015-A7B7-39806B89C0D9}"/>
-          </ac:spMkLst>
-        </pc:spChg>
-        <pc:spChg chg="add del mod">
-          <ac:chgData name="Willy MICHAUD" userId="S::willy.michaud@stfelixlasalle.fr::dbdedba2-7654-45d8-a762-da47419eb1a2" providerId="AD" clId="Web-{DE157A87-B47F-14AE-00EB-8F497E6CED8B}" dt="2020-01-14T10:50:46.364" v="45"/>
-          <ac:spMkLst>
-            <pc:docMk/>
-            <pc:sldMk cId="4029014707" sldId="258"/>
-            <ac:spMk id="5" creationId="{60E0CA5F-3762-42A1-9315-FBAF9A5AA373}"/>
-          </ac:spMkLst>
-        </pc:spChg>
-        <pc:picChg chg="add mod">
-          <ac:chgData name="Willy MICHAUD" userId="S::willy.michaud@stfelixlasalle.fr::dbdedba2-7654-45d8-a762-da47419eb1a2" providerId="AD" clId="Web-{DE157A87-B47F-14AE-00EB-8F497E6CED8B}" dt="2020-01-14T10:54:35.631" v="48" actId="1076"/>
-          <ac:picMkLst>
-            <pc:docMk/>
-            <pc:sldMk cId="4029014707" sldId="258"/>
-            <ac:picMk id="6" creationId="{ABBF7179-EA22-4A26-B48F-561977F471F1}"/>
-          </ac:picMkLst>
-        </pc:picChg>
       </pc:sldChg>
     </pc:docChg>
   </pc:docChgLst>
@@ -2308,7 +2308,7 @@
           <a:p>
             <a:fld id="{4F2A911A-B675-4EA2-A2BE-51EF6DA14C3B}" type="datetimeFigureOut">
               <a:rPr lang="fr-FR" smtClean="0"/>
-              <a:t>21/01/2020</a:t>
+              <a:t>22/01/2020</a:t>
             </a:fld>
             <a:endParaRPr lang="fr-FR"/>
           </a:p>
@@ -2887,7 +2887,7 @@
             <a:fld id="{B61BEF0D-F0BB-DE4B-95CE-6DB70DBA9567}" type="datetimeFigureOut">
               <a:rPr lang="en-US" dirty="0"/>
               <a:pPr/>
-              <a:t>1/21/2020</a:t>
+              <a:t>1/22/2020</a:t>
             </a:fld>
             <a:endParaRPr lang="en-US" dirty="0"/>
           </a:p>
@@ -3218,7 +3218,7 @@
             <a:fld id="{B61BEF0D-F0BB-DE4B-95CE-6DB70DBA9567}" type="datetimeFigureOut">
               <a:rPr lang="en-US" dirty="0"/>
               <a:pPr/>
-              <a:t>1/21/2020</a:t>
+              <a:t>1/22/2020</a:t>
             </a:fld>
             <a:endParaRPr lang="en-US" dirty="0"/>
           </a:p>
@@ -3497,7 +3497,7 @@
             <a:fld id="{B61BEF0D-F0BB-DE4B-95CE-6DB70DBA9567}" type="datetimeFigureOut">
               <a:rPr lang="en-US" dirty="0"/>
               <a:pPr/>
-              <a:t>1/21/2020</a:t>
+              <a:t>1/22/2020</a:t>
             </a:fld>
             <a:endParaRPr lang="en-US" dirty="0"/>
           </a:p>
@@ -4066,7 +4066,7 @@
             <a:fld id="{B61BEF0D-F0BB-DE4B-95CE-6DB70DBA9567}" type="datetimeFigureOut">
               <a:rPr lang="en-US" dirty="0"/>
               <a:pPr/>
-              <a:t>1/21/2020</a:t>
+              <a:t>1/22/2020</a:t>
             </a:fld>
             <a:endParaRPr lang="en-US" dirty="0"/>
           </a:p>
@@ -4345,7 +4345,7 @@
             <a:fld id="{B61BEF0D-F0BB-DE4B-95CE-6DB70DBA9567}" type="datetimeFigureOut">
               <a:rPr lang="en-US" dirty="0"/>
               <a:pPr/>
-              <a:t>1/21/2020</a:t>
+              <a:t>1/22/2020</a:t>
             </a:fld>
             <a:endParaRPr lang="en-US" dirty="0"/>
           </a:p>
@@ -4908,7 +4908,7 @@
             <a:fld id="{B61BEF0D-F0BB-DE4B-95CE-6DB70DBA9567}" type="datetimeFigureOut">
               <a:rPr lang="en-US" dirty="0"/>
               <a:pPr/>
-              <a:t>1/21/2020</a:t>
+              <a:t>1/22/2020</a:t>
             </a:fld>
             <a:endParaRPr lang="en-US" dirty="0"/>
           </a:p>
@@ -5236,7 +5236,7 @@
             <a:fld id="{B61BEF0D-F0BB-DE4B-95CE-6DB70DBA9567}" type="datetimeFigureOut">
               <a:rPr lang="en-US" dirty="0"/>
               <a:pPr/>
-              <a:t>1/21/2020</a:t>
+              <a:t>1/22/2020</a:t>
             </a:fld>
             <a:endParaRPr lang="en-US" dirty="0"/>
           </a:p>
@@ -5441,7 +5441,7 @@
             <a:fld id="{B61BEF0D-F0BB-DE4B-95CE-6DB70DBA9567}" type="datetimeFigureOut">
               <a:rPr lang="en-US" dirty="0"/>
               <a:pPr/>
-              <a:t>1/21/2020</a:t>
+              <a:t>1/22/2020</a:t>
             </a:fld>
             <a:endParaRPr lang="en-US" dirty="0"/>
           </a:p>
@@ -5651,7 +5651,7 @@
             <a:fld id="{B61BEF0D-F0BB-DE4B-95CE-6DB70DBA9567}" type="datetimeFigureOut">
               <a:rPr lang="en-US" dirty="0"/>
               <a:pPr/>
-              <a:t>1/21/2020</a:t>
+              <a:t>1/22/2020</a:t>
             </a:fld>
             <a:endParaRPr lang="en-US" dirty="0"/>
           </a:p>
@@ -5851,7 +5851,7 @@
             <a:fld id="{B61BEF0D-F0BB-DE4B-95CE-6DB70DBA9567}" type="datetimeFigureOut">
               <a:rPr lang="en-US" dirty="0"/>
               <a:pPr/>
-              <a:t>1/21/2020</a:t>
+              <a:t>1/22/2020</a:t>
             </a:fld>
             <a:endParaRPr lang="en-US" dirty="0"/>
           </a:p>
@@ -6128,7 +6128,7 @@
             <a:fld id="{B61BEF0D-F0BB-DE4B-95CE-6DB70DBA9567}" type="datetimeFigureOut">
               <a:rPr lang="en-US" dirty="0"/>
               <a:pPr/>
-              <a:t>1/21/2020</a:t>
+              <a:t>1/22/2020</a:t>
             </a:fld>
             <a:endParaRPr lang="en-US" dirty="0"/>
           </a:p>
@@ -6393,7 +6393,7 @@
             <a:fld id="{B61BEF0D-F0BB-DE4B-95CE-6DB70DBA9567}" type="datetimeFigureOut">
               <a:rPr lang="en-US" dirty="0"/>
               <a:pPr/>
-              <a:t>1/21/2020</a:t>
+              <a:t>1/22/2020</a:t>
             </a:fld>
             <a:endParaRPr lang="en-US" dirty="0"/>
           </a:p>
@@ -6766,7 +6766,7 @@
             <a:fld id="{B61BEF0D-F0BB-DE4B-95CE-6DB70DBA9567}" type="datetimeFigureOut">
               <a:rPr lang="en-US" dirty="0"/>
               <a:pPr/>
-              <a:t>1/21/2020</a:t>
+              <a:t>1/22/2020</a:t>
             </a:fld>
             <a:endParaRPr lang="en-US" dirty="0"/>
           </a:p>
@@ -6915,7 +6915,7 @@
             <a:fld id="{B61BEF0D-F0BB-DE4B-95CE-6DB70DBA9567}" type="datetimeFigureOut">
               <a:rPr lang="en-US" dirty="0"/>
               <a:pPr/>
-              <a:t>1/21/2020</a:t>
+              <a:t>1/22/2020</a:t>
             </a:fld>
             <a:endParaRPr lang="en-US" dirty="0"/>
           </a:p>
@@ -7042,7 +7042,7 @@
             <a:fld id="{B61BEF0D-F0BB-DE4B-95CE-6DB70DBA9567}" type="datetimeFigureOut">
               <a:rPr lang="en-US" dirty="0"/>
               <a:pPr/>
-              <a:t>1/21/2020</a:t>
+              <a:t>1/22/2020</a:t>
             </a:fld>
             <a:endParaRPr lang="en-US" dirty="0"/>
           </a:p>
@@ -7327,7 +7327,7 @@
             <a:fld id="{B61BEF0D-F0BB-DE4B-95CE-6DB70DBA9567}" type="datetimeFigureOut">
               <a:rPr lang="en-US" dirty="0"/>
               <a:pPr/>
-              <a:t>1/21/2020</a:t>
+              <a:t>1/22/2020</a:t>
             </a:fld>
             <a:endParaRPr lang="en-US" dirty="0"/>
           </a:p>
@@ -7648,7 +7648,7 @@
             <a:fld id="{B61BEF0D-F0BB-DE4B-95CE-6DB70DBA9567}" type="datetimeFigureOut">
               <a:rPr lang="en-US" dirty="0"/>
               <a:pPr/>
-              <a:t>1/21/2020</a:t>
+              <a:t>1/22/2020</a:t>
             </a:fld>
             <a:endParaRPr lang="en-US" dirty="0"/>
           </a:p>
@@ -7862,7 +7862,7 @@
             <a:fld id="{B61BEF0D-F0BB-DE4B-95CE-6DB70DBA9567}" type="datetimeFigureOut">
               <a:rPr lang="en-US" dirty="0"/>
               <a:pPr/>
-              <a:t>1/21/2020</a:t>
+              <a:t>1/22/2020</a:t>
             </a:fld>
             <a:endParaRPr lang="en-US" dirty="0"/>
           </a:p>
@@ -14212,19 +14212,31 @@
           <a:p>
             <a:r>
               <a:rPr lang="fr-FR" dirty="0"/>
-              <a:t>Logiciel de gestion : </a:t>
+              <a:t>OS : Basé sur linux</a:t>
+            </a:r>
+          </a:p>
+          <a:p>
+            <a:r>
+              <a:rPr lang="fr-FR" dirty="0" err="1"/>
+              <a:t>Memore</a:t>
+            </a:r>
+            <a:r>
+              <a:rPr lang="fr-FR" dirty="0"/>
+              <a:t> </a:t>
+            </a:r>
+            <a:r>
+              <a:rPr lang="fr-FR" b="1" dirty="0"/>
+              <a:t>: </a:t>
+            </a:r>
+            <a:r>
+              <a:rPr lang="fr-FR" dirty="0"/>
+              <a:t>8GB </a:t>
             </a:r>
             <a:r>
               <a:rPr lang="fr-FR" dirty="0" err="1"/>
-              <a:t>Mervis</a:t>
+              <a:t>eMMC</a:t>
             </a:r>
             <a:endParaRPr lang="fr-FR" dirty="0"/>
-          </a:p>
-          <a:p>
-            <a:r>
-              <a:rPr lang="fr-FR" dirty="0"/>
-              <a:t>OS : Basé sur linux</a:t>
-            </a:r>
           </a:p>
           <a:p>
             <a:endParaRPr lang="fr-FR" dirty="0"/>
@@ -14263,6 +14275,42 @@
           <a:xfrm>
             <a:off x="6841466" y="1685924"/>
             <a:ext cx="3975760" cy="3486151"/>
+          </a:xfrm>
+          <a:prstGeom prst="rect">
+            <a:avLst/>
+          </a:prstGeom>
+        </p:spPr>
+      </p:pic>
+      <p:pic>
+        <p:nvPicPr>
+          <p:cNvPr id="8" name="Image 7" descr="Une image contenant capture d’écran&#10;&#10;Description générée automatiquement">
+            <a:extLst>
+              <a:ext uri="{FF2B5EF4-FFF2-40B4-BE49-F238E27FC236}">
+                <a16:creationId xmlns:a16="http://schemas.microsoft.com/office/drawing/2014/main" id="{91E6A4F3-D127-4E43-90EC-0AB16D48A63E}"/>
+              </a:ext>
+            </a:extLst>
+          </p:cNvPr>
+          <p:cNvPicPr>
+            <a:picLocks noChangeAspect="1"/>
+          </p:cNvPicPr>
+          <p:nvPr/>
+        </p:nvPicPr>
+        <p:blipFill>
+          <a:blip r:embed="rId3">
+            <a:extLst>
+              <a:ext uri="{28A0092B-C50C-407E-A947-70E740481C1C}">
+                <a14:useLocalDpi xmlns:a14="http://schemas.microsoft.com/office/drawing/2010/main" val="0"/>
+              </a:ext>
+            </a:extLst>
+          </a:blip>
+          <a:stretch>
+            <a:fillRect/>
+          </a:stretch>
+        </p:blipFill>
+        <p:spPr>
+          <a:xfrm>
+            <a:off x="685801" y="4371820"/>
+            <a:ext cx="6373114" cy="2219635"/>
           </a:xfrm>
           <a:prstGeom prst="rect">
             <a:avLst/>

--- a/Commun/Membres/Willy/Présentation revu de projet 1.pptx
+++ b/Commun/Membres/Willy/Présentation revu de projet 1.pptx
@@ -5,7 +5,7 @@
     <p:sldMasterId id="2147483696" r:id="rId1"/>
   </p:sldMasterIdLst>
   <p:notesMasterIdLst>
-    <p:notesMasterId r:id="rId12"/>
+    <p:notesMasterId r:id="rId15"/>
   </p:notesMasterIdLst>
   <p:sldIdLst>
     <p:sldId id="262" r:id="rId2"/>
@@ -17,7 +17,10 @@
     <p:sldId id="263" r:id="rId8"/>
     <p:sldId id="267" r:id="rId9"/>
     <p:sldId id="268" r:id="rId10"/>
-    <p:sldId id="266" r:id="rId11"/>
+    <p:sldId id="269" r:id="rId11"/>
+    <p:sldId id="270" r:id="rId12"/>
+    <p:sldId id="271" r:id="rId13"/>
+    <p:sldId id="266" r:id="rId14"/>
   </p:sldIdLst>
   <p:sldSz cx="12192000" cy="6858000"/>
   <p:notesSz cx="6858000" cy="9144000"/>
@@ -231,148 +234,6 @@
     </pc:docChg>
   </pc:docChgLst>
   <pc:docChgLst>
-    <pc:chgData name="Willy MICHAUD" userId="S::willy.michaud@stfelixlasalle.fr::dbdedba2-7654-45d8-a762-da47419eb1a2" providerId="AD" clId="Web-{DE157A87-B47F-14AE-00EB-8F497E6CED8B}"/>
-    <pc:docChg chg="addSld modSld sldOrd">
-      <pc:chgData name="Willy MICHAUD" userId="S::willy.michaud@stfelixlasalle.fr::dbdedba2-7654-45d8-a762-da47419eb1a2" providerId="AD" clId="Web-{DE157A87-B47F-14AE-00EB-8F497E6CED8B}" dt="2020-01-14T10:57:03.475" v="80" actId="14100"/>
-      <pc:docMkLst>
-        <pc:docMk/>
-      </pc:docMkLst>
-      <pc:sldChg chg="delSp modSp">
-        <pc:chgData name="Willy MICHAUD" userId="S::willy.michaud@stfelixlasalle.fr::dbdedba2-7654-45d8-a762-da47419eb1a2" providerId="AD" clId="Web-{DE157A87-B47F-14AE-00EB-8F497E6CED8B}" dt="2020-01-14T10:47:18.394" v="33"/>
-        <pc:sldMkLst>
-          <pc:docMk/>
-          <pc:sldMk cId="3784089036" sldId="256"/>
-        </pc:sldMkLst>
-        <pc:spChg chg="del mod">
-          <ac:chgData name="Willy MICHAUD" userId="S::willy.michaud@stfelixlasalle.fr::dbdedba2-7654-45d8-a762-da47419eb1a2" providerId="AD" clId="Web-{DE157A87-B47F-14AE-00EB-8F497E6CED8B}" dt="2020-01-14T10:46:53.284" v="27"/>
-          <ac:spMkLst>
-            <pc:docMk/>
-            <pc:sldMk cId="3784089036" sldId="256"/>
-            <ac:spMk id="6" creationId="{D2BF0967-DCDB-4A52-A5E9-E1FB2FA3CD1D}"/>
-          </ac:spMkLst>
-        </pc:spChg>
-        <pc:graphicFrameChg chg="mod modGraphic">
-          <ac:chgData name="Willy MICHAUD" userId="S::willy.michaud@stfelixlasalle.fr::dbdedba2-7654-45d8-a762-da47419eb1a2" providerId="AD" clId="Web-{DE157A87-B47F-14AE-00EB-8F497E6CED8B}" dt="2020-01-14T10:47:18.394" v="33"/>
-          <ac:graphicFrameMkLst>
-            <pc:docMk/>
-            <pc:sldMk cId="3784089036" sldId="256"/>
-            <ac:graphicFrameMk id="5" creationId="{BDD679C4-B077-4B04-87BB-7B52B79914E3}"/>
-          </ac:graphicFrameMkLst>
-        </pc:graphicFrameChg>
-      </pc:sldChg>
-      <pc:sldChg chg="addSp delSp modSp mod setBg setClrOvrMap">
-        <pc:chgData name="Willy MICHAUD" userId="S::willy.michaud@stfelixlasalle.fr::dbdedba2-7654-45d8-a762-da47419eb1a2" providerId="AD" clId="Web-{DE157A87-B47F-14AE-00EB-8F497E6CED8B}" dt="2020-01-14T10:45:58.159" v="24"/>
-        <pc:sldMkLst>
-          <pc:docMk/>
-          <pc:sldMk cId="551106351" sldId="257"/>
-        </pc:sldMkLst>
-        <pc:spChg chg="mod">
-          <ac:chgData name="Willy MICHAUD" userId="S::willy.michaud@stfelixlasalle.fr::dbdedba2-7654-45d8-a762-da47419eb1a2" providerId="AD" clId="Web-{DE157A87-B47F-14AE-00EB-8F497E6CED8B}" dt="2020-01-14T10:45:58.159" v="24"/>
-          <ac:spMkLst>
-            <pc:docMk/>
-            <pc:sldMk cId="551106351" sldId="257"/>
-            <ac:spMk id="2" creationId="{AA63CC7F-CC91-4625-ACAB-DC530E988AF6}"/>
-          </ac:spMkLst>
-        </pc:spChg>
-        <pc:spChg chg="add mod">
-          <ac:chgData name="Willy MICHAUD" userId="S::willy.michaud@stfelixlasalle.fr::dbdedba2-7654-45d8-a762-da47419eb1a2" providerId="AD" clId="Web-{DE157A87-B47F-14AE-00EB-8F497E6CED8B}" dt="2020-01-14T10:45:58.159" v="24"/>
-          <ac:spMkLst>
-            <pc:docMk/>
-            <pc:sldMk cId="551106351" sldId="257"/>
-            <ac:spMk id="3" creationId="{343BB745-DC8F-4EB9-A582-E2014E6174D3}"/>
-          </ac:spMkLst>
-        </pc:spChg>
-        <pc:spChg chg="del">
-          <ac:chgData name="Willy MICHAUD" userId="S::willy.michaud@stfelixlasalle.fr::dbdedba2-7654-45d8-a762-da47419eb1a2" providerId="AD" clId="Web-{DE157A87-B47F-14AE-00EB-8F497E6CED8B}" dt="2020-01-14T10:43:38.393" v="0"/>
-          <ac:spMkLst>
-            <pc:docMk/>
-            <pc:sldMk cId="551106351" sldId="257"/>
-            <ac:spMk id="5" creationId="{4E0D1194-B056-4CFB-88FD-2F31ED892520}"/>
-          </ac:spMkLst>
-        </pc:spChg>
-        <pc:spChg chg="add del">
-          <ac:chgData name="Willy MICHAUD" userId="S::willy.michaud@stfelixlasalle.fr::dbdedba2-7654-45d8-a762-da47419eb1a2" providerId="AD" clId="Web-{DE157A87-B47F-14AE-00EB-8F497E6CED8B}" dt="2020-01-14T10:45:58.159" v="24"/>
-          <ac:spMkLst>
-            <pc:docMk/>
-            <pc:sldMk cId="551106351" sldId="257"/>
-            <ac:spMk id="8" creationId="{23962611-DFD5-4092-AAFD-559E3DFCE2C9}"/>
-          </ac:spMkLst>
-        </pc:spChg>
-        <pc:spChg chg="add">
-          <ac:chgData name="Willy MICHAUD" userId="S::willy.michaud@stfelixlasalle.fr::dbdedba2-7654-45d8-a762-da47419eb1a2" providerId="AD" clId="Web-{DE157A87-B47F-14AE-00EB-8F497E6CED8B}" dt="2020-01-14T10:45:58.159" v="24"/>
-          <ac:spMkLst>
-            <pc:docMk/>
-            <pc:sldMk cId="551106351" sldId="257"/>
-            <ac:spMk id="20" creationId="{053FB2EE-284F-4C87-AB3D-BBF87A9FAB97}"/>
-          </ac:spMkLst>
-        </pc:spChg>
-        <pc:grpChg chg="add">
-          <ac:chgData name="Willy MICHAUD" userId="S::willy.michaud@stfelixlasalle.fr::dbdedba2-7654-45d8-a762-da47419eb1a2" providerId="AD" clId="Web-{DE157A87-B47F-14AE-00EB-8F497E6CED8B}" dt="2020-01-14T10:45:58.159" v="24"/>
-          <ac:grpSpMkLst>
-            <pc:docMk/>
-            <pc:sldMk cId="551106351" sldId="257"/>
-            <ac:grpSpMk id="15" creationId="{D2C4BFA1-2075-4901-9E24-E41D1FDD51FD}"/>
-          </ac:grpSpMkLst>
-        </pc:grpChg>
-        <pc:picChg chg="add del">
-          <ac:chgData name="Willy MICHAUD" userId="S::willy.michaud@stfelixlasalle.fr::dbdedba2-7654-45d8-a762-da47419eb1a2" providerId="AD" clId="Web-{DE157A87-B47F-14AE-00EB-8F497E6CED8B}" dt="2020-01-14T10:45:58.159" v="24"/>
-          <ac:picMkLst>
-            <pc:docMk/>
-            <pc:sldMk cId="551106351" sldId="257"/>
-            <ac:picMk id="10" creationId="{2270F1FA-0425-408F-9861-80BF5AFB276D}"/>
-          </ac:picMkLst>
-        </pc:picChg>
-      </pc:sldChg>
-      <pc:sldChg chg="addSp delSp modSp new ord">
-        <pc:chgData name="Willy MICHAUD" userId="S::willy.michaud@stfelixlasalle.fr::dbdedba2-7654-45d8-a762-da47419eb1a2" providerId="AD" clId="Web-{DE157A87-B47F-14AE-00EB-8F497E6CED8B}" dt="2020-01-14T10:56:45.194" v="79" actId="14100"/>
-        <pc:sldMkLst>
-          <pc:docMk/>
-          <pc:sldMk cId="4029014707" sldId="258"/>
-        </pc:sldMkLst>
-        <pc:spChg chg="del">
-          <ac:chgData name="Willy MICHAUD" userId="S::willy.michaud@stfelixlasalle.fr::dbdedba2-7654-45d8-a762-da47419eb1a2" providerId="AD" clId="Web-{DE157A87-B47F-14AE-00EB-8F497E6CED8B}" dt="2020-01-14T10:48:51.676" v="37"/>
-          <ac:spMkLst>
-            <pc:docMk/>
-            <pc:sldMk cId="4029014707" sldId="258"/>
-            <ac:spMk id="2" creationId="{F0FBF85F-9D62-441C-9A91-D6093B14E130}"/>
-          </ac:spMkLst>
-        </pc:spChg>
-        <pc:spChg chg="del">
-          <ac:chgData name="Willy MICHAUD" userId="S::willy.michaud@stfelixlasalle.fr::dbdedba2-7654-45d8-a762-da47419eb1a2" providerId="AD" clId="Web-{DE157A87-B47F-14AE-00EB-8F497E6CED8B}" dt="2020-01-14T10:48:49.957" v="36"/>
-          <ac:spMkLst>
-            <pc:docMk/>
-            <pc:sldMk cId="4029014707" sldId="258"/>
-            <ac:spMk id="3" creationId="{68503149-7F13-4C7D-95CF-142D9B3478B1}"/>
-          </ac:spMkLst>
-        </pc:spChg>
-        <pc:spChg chg="add mod">
-          <ac:chgData name="Willy MICHAUD" userId="S::willy.michaud@stfelixlasalle.fr::dbdedba2-7654-45d8-a762-da47419eb1a2" providerId="AD" clId="Web-{DE157A87-B47F-14AE-00EB-8F497E6CED8B}" dt="2020-01-14T10:56:45.194" v="79" actId="14100"/>
-          <ac:spMkLst>
-            <pc:docMk/>
-            <pc:sldMk cId="4029014707" sldId="258"/>
-            <ac:spMk id="4" creationId="{DA431FFE-29EC-4015-A7B7-39806B89C0D9}"/>
-          </ac:spMkLst>
-        </pc:spChg>
-        <pc:spChg chg="add del mod">
-          <ac:chgData name="Willy MICHAUD" userId="S::willy.michaud@stfelixlasalle.fr::dbdedba2-7654-45d8-a762-da47419eb1a2" providerId="AD" clId="Web-{DE157A87-B47F-14AE-00EB-8F497E6CED8B}" dt="2020-01-14T10:50:46.364" v="45"/>
-          <ac:spMkLst>
-            <pc:docMk/>
-            <pc:sldMk cId="4029014707" sldId="258"/>
-            <ac:spMk id="5" creationId="{60E0CA5F-3762-42A1-9315-FBAF9A5AA373}"/>
-          </ac:spMkLst>
-        </pc:spChg>
-        <pc:picChg chg="add mod">
-          <ac:chgData name="Willy MICHAUD" userId="S::willy.michaud@stfelixlasalle.fr::dbdedba2-7654-45d8-a762-da47419eb1a2" providerId="AD" clId="Web-{DE157A87-B47F-14AE-00EB-8F497E6CED8B}" dt="2020-01-14T10:54:35.631" v="48" actId="1076"/>
-          <ac:picMkLst>
-            <pc:docMk/>
-            <pc:sldMk cId="4029014707" sldId="258"/>
-            <ac:picMk id="6" creationId="{ABBF7179-EA22-4A26-B48F-561977F471F1}"/>
-          </ac:picMkLst>
-        </pc:picChg>
-      </pc:sldChg>
-    </pc:docChg>
-  </pc:docChgLst>
-  <pc:docChgLst>
     <pc:chgData name="Camille LAHAUT" userId="512bb541-1bf7-451d-b975-a653a10dbe18" providerId="ADAL" clId="{1E8EAA93-ACDA-4754-966E-31AE0A8CA04C}"/>
     <pc:docChg chg="modSld">
       <pc:chgData name="Camille LAHAUT" userId="512bb541-1bf7-451d-b975-a653a10dbe18" providerId="ADAL" clId="{1E8EAA93-ACDA-4754-966E-31AE0A8CA04C}" dt="2020-01-17T08:25:13.288" v="0" actId="20577"/>
@@ -393,6 +254,148 @@
             <ac:spMk id="3" creationId="{766E25BE-9585-4959-9133-8E56A77E9475}"/>
           </ac:spMkLst>
         </pc:spChg>
+      </pc:sldChg>
+    </pc:docChg>
+  </pc:docChgLst>
+  <pc:docChgLst>
+    <pc:chgData name="Willy MICHAUD" userId="S::willy.michaud@stfelixlasalle.fr::dbdedba2-7654-45d8-a762-da47419eb1a2" providerId="AD" clId="Web-{DE157A87-B47F-14AE-00EB-8F497E6CED8B}"/>
+    <pc:docChg chg="addSld modSld sldOrd">
+      <pc:chgData name="Willy MICHAUD" userId="S::willy.michaud@stfelixlasalle.fr::dbdedba2-7654-45d8-a762-da47419eb1a2" providerId="AD" clId="Web-{DE157A87-B47F-14AE-00EB-8F497E6CED8B}" dt="2020-01-14T10:57:03.475" v="80" actId="14100"/>
+      <pc:docMkLst>
+        <pc:docMk/>
+      </pc:docMkLst>
+      <pc:sldChg chg="delSp modSp">
+        <pc:chgData name="Willy MICHAUD" userId="S::willy.michaud@stfelixlasalle.fr::dbdedba2-7654-45d8-a762-da47419eb1a2" providerId="AD" clId="Web-{DE157A87-B47F-14AE-00EB-8F497E6CED8B}" dt="2020-01-14T10:47:18.394" v="33" actId="14100"/>
+        <pc:sldMkLst>
+          <pc:docMk/>
+          <pc:sldMk cId="3784089036" sldId="256"/>
+        </pc:sldMkLst>
+        <pc:spChg chg="del mod">
+          <ac:chgData name="Willy MICHAUD" userId="S::willy.michaud@stfelixlasalle.fr::dbdedba2-7654-45d8-a762-da47419eb1a2" providerId="AD" clId="Web-{DE157A87-B47F-14AE-00EB-8F497E6CED8B}" dt="2020-01-14T10:46:53.284" v="27" actId="14100"/>
+          <ac:spMkLst>
+            <pc:docMk/>
+            <pc:sldMk cId="3784089036" sldId="256"/>
+            <ac:spMk id="6" creationId="{D2BF0967-DCDB-4A52-A5E9-E1FB2FA3CD1D}"/>
+          </ac:spMkLst>
+        </pc:spChg>
+        <pc:graphicFrameChg chg="mod modGraphic">
+          <ac:chgData name="Willy MICHAUD" userId="S::willy.michaud@stfelixlasalle.fr::dbdedba2-7654-45d8-a762-da47419eb1a2" providerId="AD" clId="Web-{DE157A87-B47F-14AE-00EB-8F497E6CED8B}" dt="2020-01-14T10:47:18.394" v="33" actId="14100"/>
+          <ac:graphicFrameMkLst>
+            <pc:docMk/>
+            <pc:sldMk cId="3784089036" sldId="256"/>
+            <ac:graphicFrameMk id="5" creationId="{BDD679C4-B077-4B04-87BB-7B52B79914E3}"/>
+          </ac:graphicFrameMkLst>
+        </pc:graphicFrameChg>
+      </pc:sldChg>
+      <pc:sldChg chg="addSp delSp modSp mod setBg setClrOvrMap">
+        <pc:chgData name="Willy MICHAUD" userId="S::willy.michaud@stfelixlasalle.fr::dbdedba2-7654-45d8-a762-da47419eb1a2" providerId="AD" clId="Web-{DE157A87-B47F-14AE-00EB-8F497E6CED8B}" dt="2020-01-14T10:45:58.159" v="24" actId="14100"/>
+        <pc:sldMkLst>
+          <pc:docMk/>
+          <pc:sldMk cId="551106351" sldId="257"/>
+        </pc:sldMkLst>
+        <pc:spChg chg="mod">
+          <ac:chgData name="Willy MICHAUD" userId="S::willy.michaud@stfelixlasalle.fr::dbdedba2-7654-45d8-a762-da47419eb1a2" providerId="AD" clId="Web-{DE157A87-B47F-14AE-00EB-8F497E6CED8B}" dt="2020-01-14T10:45:58.159" v="24" actId="14100"/>
+          <ac:spMkLst>
+            <pc:docMk/>
+            <pc:sldMk cId="551106351" sldId="257"/>
+            <ac:spMk id="2" creationId="{AA63CC7F-CC91-4625-ACAB-DC530E988AF6}"/>
+          </ac:spMkLst>
+        </pc:spChg>
+        <pc:spChg chg="add mod">
+          <ac:chgData name="Willy MICHAUD" userId="S::willy.michaud@stfelixlasalle.fr::dbdedba2-7654-45d8-a762-da47419eb1a2" providerId="AD" clId="Web-{DE157A87-B47F-14AE-00EB-8F497E6CED8B}" dt="2020-01-14T10:45:58.159" v="24" actId="14100"/>
+          <ac:spMkLst>
+            <pc:docMk/>
+            <pc:sldMk cId="551106351" sldId="257"/>
+            <ac:spMk id="3" creationId="{343BB745-DC8F-4EB9-A582-E2014E6174D3}"/>
+          </ac:spMkLst>
+        </pc:spChg>
+        <pc:spChg chg="del">
+          <ac:chgData name="Willy MICHAUD" userId="S::willy.michaud@stfelixlasalle.fr::dbdedba2-7654-45d8-a762-da47419eb1a2" providerId="AD" clId="Web-{DE157A87-B47F-14AE-00EB-8F497E6CED8B}" dt="2020-01-14T10:43:38.393" v="0" actId="14100"/>
+          <ac:spMkLst>
+            <pc:docMk/>
+            <pc:sldMk cId="551106351" sldId="257"/>
+            <ac:spMk id="5" creationId="{4E0D1194-B056-4CFB-88FD-2F31ED892520}"/>
+          </ac:spMkLst>
+        </pc:spChg>
+        <pc:spChg chg="add del">
+          <ac:chgData name="Willy MICHAUD" userId="S::willy.michaud@stfelixlasalle.fr::dbdedba2-7654-45d8-a762-da47419eb1a2" providerId="AD" clId="Web-{DE157A87-B47F-14AE-00EB-8F497E6CED8B}" dt="2020-01-14T10:45:58.159" v="24" actId="14100"/>
+          <ac:spMkLst>
+            <pc:docMk/>
+            <pc:sldMk cId="551106351" sldId="257"/>
+            <ac:spMk id="8" creationId="{23962611-DFD5-4092-AAFD-559E3DFCE2C9}"/>
+          </ac:spMkLst>
+        </pc:spChg>
+        <pc:spChg chg="add">
+          <ac:chgData name="Willy MICHAUD" userId="S::willy.michaud@stfelixlasalle.fr::dbdedba2-7654-45d8-a762-da47419eb1a2" providerId="AD" clId="Web-{DE157A87-B47F-14AE-00EB-8F497E6CED8B}" dt="2020-01-14T10:45:58.159" v="24" actId="14100"/>
+          <ac:spMkLst>
+            <pc:docMk/>
+            <pc:sldMk cId="551106351" sldId="257"/>
+            <ac:spMk id="20" creationId="{053FB2EE-284F-4C87-AB3D-BBF87A9FAB97}"/>
+          </ac:spMkLst>
+        </pc:spChg>
+        <pc:grpChg chg="add">
+          <ac:chgData name="Willy MICHAUD" userId="S::willy.michaud@stfelixlasalle.fr::dbdedba2-7654-45d8-a762-da47419eb1a2" providerId="AD" clId="Web-{DE157A87-B47F-14AE-00EB-8F497E6CED8B}" dt="2020-01-14T10:45:58.159" v="24" actId="14100"/>
+          <ac:grpSpMkLst>
+            <pc:docMk/>
+            <pc:sldMk cId="551106351" sldId="257"/>
+            <ac:grpSpMk id="15" creationId="{D2C4BFA1-2075-4901-9E24-E41D1FDD51FD}"/>
+          </ac:grpSpMkLst>
+        </pc:grpChg>
+        <pc:picChg chg="add del">
+          <ac:chgData name="Willy MICHAUD" userId="S::willy.michaud@stfelixlasalle.fr::dbdedba2-7654-45d8-a762-da47419eb1a2" providerId="AD" clId="Web-{DE157A87-B47F-14AE-00EB-8F497E6CED8B}" dt="2020-01-14T10:45:58.159" v="24" actId="14100"/>
+          <ac:picMkLst>
+            <pc:docMk/>
+            <pc:sldMk cId="551106351" sldId="257"/>
+            <ac:picMk id="10" creationId="{2270F1FA-0425-408F-9861-80BF5AFB276D}"/>
+          </ac:picMkLst>
+        </pc:picChg>
+      </pc:sldChg>
+      <pc:sldChg chg="addSp delSp modSp new ord">
+        <pc:chgData name="Willy MICHAUD" userId="S::willy.michaud@stfelixlasalle.fr::dbdedba2-7654-45d8-a762-da47419eb1a2" providerId="AD" clId="Web-{DE157A87-B47F-14AE-00EB-8F497E6CED8B}" dt="2020-01-14T10:56:45.194" v="79" actId="14100"/>
+        <pc:sldMkLst>
+          <pc:docMk/>
+          <pc:sldMk cId="4029014707" sldId="258"/>
+        </pc:sldMkLst>
+        <pc:spChg chg="del">
+          <ac:chgData name="Willy MICHAUD" userId="S::willy.michaud@stfelixlasalle.fr::dbdedba2-7654-45d8-a762-da47419eb1a2" providerId="AD" clId="Web-{DE157A87-B47F-14AE-00EB-8F497E6CED8B}" dt="2020-01-14T10:48:51.676" v="37" actId="14100"/>
+          <ac:spMkLst>
+            <pc:docMk/>
+            <pc:sldMk cId="4029014707" sldId="258"/>
+            <ac:spMk id="2" creationId="{F0FBF85F-9D62-441C-9A91-D6093B14E130}"/>
+          </ac:spMkLst>
+        </pc:spChg>
+        <pc:spChg chg="del">
+          <ac:chgData name="Willy MICHAUD" userId="S::willy.michaud@stfelixlasalle.fr::dbdedba2-7654-45d8-a762-da47419eb1a2" providerId="AD" clId="Web-{DE157A87-B47F-14AE-00EB-8F497E6CED8B}" dt="2020-01-14T10:48:49.957" v="36" actId="14100"/>
+          <ac:spMkLst>
+            <pc:docMk/>
+            <pc:sldMk cId="4029014707" sldId="258"/>
+            <ac:spMk id="3" creationId="{68503149-7F13-4C7D-95CF-142D9B3478B1}"/>
+          </ac:spMkLst>
+        </pc:spChg>
+        <pc:spChg chg="add mod">
+          <ac:chgData name="Willy MICHAUD" userId="S::willy.michaud@stfelixlasalle.fr::dbdedba2-7654-45d8-a762-da47419eb1a2" providerId="AD" clId="Web-{DE157A87-B47F-14AE-00EB-8F497E6CED8B}" dt="2020-01-14T10:56:45.194" v="79" actId="14100"/>
+          <ac:spMkLst>
+            <pc:docMk/>
+            <pc:sldMk cId="4029014707" sldId="258"/>
+            <ac:spMk id="4" creationId="{DA431FFE-29EC-4015-A7B7-39806B89C0D9}"/>
+          </ac:spMkLst>
+        </pc:spChg>
+        <pc:spChg chg="add del mod">
+          <ac:chgData name="Willy MICHAUD" userId="S::willy.michaud@stfelixlasalle.fr::dbdedba2-7654-45d8-a762-da47419eb1a2" providerId="AD" clId="Web-{DE157A87-B47F-14AE-00EB-8F497E6CED8B}" dt="2020-01-14T10:50:46.364" v="45" actId="14100"/>
+          <ac:spMkLst>
+            <pc:docMk/>
+            <pc:sldMk cId="4029014707" sldId="258"/>
+            <ac:spMk id="5" creationId="{60E0CA5F-3762-42A1-9315-FBAF9A5AA373}"/>
+          </ac:spMkLst>
+        </pc:spChg>
+        <pc:picChg chg="add mod">
+          <ac:chgData name="Willy MICHAUD" userId="S::willy.michaud@stfelixlasalle.fr::dbdedba2-7654-45d8-a762-da47419eb1a2" providerId="AD" clId="Web-{DE157A87-B47F-14AE-00EB-8F497E6CED8B}" dt="2020-01-14T10:54:35.631" v="48" actId="1076"/>
+          <ac:picMkLst>
+            <pc:docMk/>
+            <pc:sldMk cId="4029014707" sldId="258"/>
+            <ac:picMk id="6" creationId="{ABBF7179-EA22-4A26-B48F-561977F471F1}"/>
+          </ac:picMkLst>
+        </pc:picChg>
       </pc:sldChg>
     </pc:docChg>
   </pc:docChgLst>
@@ -458,7 +461,7 @@
           <pc:sldMk cId="2436869124" sldId="259"/>
         </pc:sldMkLst>
         <pc:spChg chg="mod">
-          <ac:chgData name="Jules DZIUBA" userId="S::jules.dziuba@stfelixlasalle.fr::21b7d053-6926-4475-8428-036abe7a6ecc" providerId="AD" clId="Web-{0B8389D0-71F5-72A7-ED1B-0CC56BB09D95}" dt="2020-01-15T14:57:22.462" v="10"/>
+          <ac:chgData name="Jules DZIUBA" userId="S::jules.dziuba@stfelixlasalle.fr::21b7d053-6926-4475-8428-036abe7a6ecc" providerId="AD" clId="Web-{0B8389D0-71F5-72A7-ED1B-0CC56BB09D95}" dt="2020-01-15T14:57:22.462" v="10" actId="1076"/>
           <ac:spMkLst>
             <pc:docMk/>
             <pc:sldMk cId="2436869124" sldId="259"/>
@@ -474,7 +477,7 @@
           </ac:spMkLst>
         </pc:spChg>
         <pc:spChg chg="add del mod">
-          <ac:chgData name="Jules DZIUBA" userId="S::jules.dziuba@stfelixlasalle.fr::21b7d053-6926-4475-8428-036abe7a6ecc" providerId="AD" clId="Web-{0B8389D0-71F5-72A7-ED1B-0CC56BB09D95}" dt="2020-01-15T14:57:27.009" v="14"/>
+          <ac:chgData name="Jules DZIUBA" userId="S::jules.dziuba@stfelixlasalle.fr::21b7d053-6926-4475-8428-036abe7a6ecc" providerId="AD" clId="Web-{0B8389D0-71F5-72A7-ED1B-0CC56BB09D95}" dt="2020-01-15T14:57:27.009" v="14" actId="1076"/>
           <ac:spMkLst>
             <pc:docMk/>
             <pc:sldMk cId="2436869124" sldId="259"/>
@@ -482,7 +485,7 @@
           </ac:spMkLst>
         </pc:spChg>
         <pc:spChg chg="add">
-          <ac:chgData name="Jules DZIUBA" userId="S::jules.dziuba@stfelixlasalle.fr::21b7d053-6926-4475-8428-036abe7a6ecc" providerId="AD" clId="Web-{0B8389D0-71F5-72A7-ED1B-0CC56BB09D95}" dt="2020-01-15T14:57:22.462" v="10"/>
+          <ac:chgData name="Jules DZIUBA" userId="S::jules.dziuba@stfelixlasalle.fr::21b7d053-6926-4475-8428-036abe7a6ecc" providerId="AD" clId="Web-{0B8389D0-71F5-72A7-ED1B-0CC56BB09D95}" dt="2020-01-15T14:57:22.462" v="10" actId="1076"/>
           <ac:spMkLst>
             <pc:docMk/>
             <pc:sldMk cId="2436869124" sldId="259"/>
@@ -490,7 +493,7 @@
           </ac:spMkLst>
         </pc:spChg>
         <pc:picChg chg="del mod">
-          <ac:chgData name="Jules DZIUBA" userId="S::jules.dziuba@stfelixlasalle.fr::21b7d053-6926-4475-8428-036abe7a6ecc" providerId="AD" clId="Web-{0B8389D0-71F5-72A7-ED1B-0CC56BB09D95}" dt="2020-01-15T14:57:08.962" v="8"/>
+          <ac:chgData name="Jules DZIUBA" userId="S::jules.dziuba@stfelixlasalle.fr::21b7d053-6926-4475-8428-036abe7a6ecc" providerId="AD" clId="Web-{0B8389D0-71F5-72A7-ED1B-0CC56BB09D95}" dt="2020-01-15T14:57:08.962" v="8" actId="1076"/>
           <ac:picMkLst>
             <pc:docMk/>
             <pc:sldMk cId="2436869124" sldId="259"/>
@@ -506,7 +509,7 @@
           </ac:picMkLst>
         </pc:picChg>
         <pc:cxnChg chg="add">
-          <ac:chgData name="Jules DZIUBA" userId="S::jules.dziuba@stfelixlasalle.fr::21b7d053-6926-4475-8428-036abe7a6ecc" providerId="AD" clId="Web-{0B8389D0-71F5-72A7-ED1B-0CC56BB09D95}" dt="2020-01-15T14:57:22.462" v="10"/>
+          <ac:chgData name="Jules DZIUBA" userId="S::jules.dziuba@stfelixlasalle.fr::21b7d053-6926-4475-8428-036abe7a6ecc" providerId="AD" clId="Web-{0B8389D0-71F5-72A7-ED1B-0CC56BB09D95}" dt="2020-01-15T14:57:22.462" v="10" actId="1076"/>
           <ac:cxnSpMkLst>
             <pc:docMk/>
             <pc:sldMk cId="2436869124" sldId="259"/>
@@ -2173,7 +2176,7 @@
           <pc:sldMk cId="2436869124" sldId="259"/>
         </pc:sldMkLst>
         <pc:spChg chg="mod">
-          <ac:chgData name="Camille LAHAUT" userId="S::camille.lahaut@stfelixlasalle.fr::512bb541-1bf7-451d-b975-a653a10dbe18" providerId="AD" clId="Web-{FDB99DC2-A89E-72DF-4A44-BEF728F33161}" dt="2020-01-15T14:56:12.057" v="28"/>
+          <ac:chgData name="Camille LAHAUT" userId="S::camille.lahaut@stfelixlasalle.fr::512bb541-1bf7-451d-b975-a653a10dbe18" providerId="AD" clId="Web-{FDB99DC2-A89E-72DF-4A44-BEF728F33161}" dt="2020-01-15T14:56:12.057" v="28" actId="1076"/>
           <ac:spMkLst>
             <pc:docMk/>
             <pc:sldMk cId="2436869124" sldId="259"/>
@@ -2181,7 +2184,7 @@
           </ac:spMkLst>
         </pc:spChg>
         <pc:spChg chg="mod ord">
-          <ac:chgData name="Camille LAHAUT" userId="S::camille.lahaut@stfelixlasalle.fr::512bb541-1bf7-451d-b975-a653a10dbe18" providerId="AD" clId="Web-{FDB99DC2-A89E-72DF-4A44-BEF728F33161}" dt="2020-01-15T14:56:12.057" v="28"/>
+          <ac:chgData name="Camille LAHAUT" userId="S::camille.lahaut@stfelixlasalle.fr::512bb541-1bf7-451d-b975-a653a10dbe18" providerId="AD" clId="Web-{FDB99DC2-A89E-72DF-4A44-BEF728F33161}" dt="2020-01-15T14:56:12.057" v="28" actId="1076"/>
           <ac:spMkLst>
             <pc:docMk/>
             <pc:sldMk cId="2436869124" sldId="259"/>
@@ -2189,7 +2192,7 @@
           </ac:spMkLst>
         </pc:spChg>
         <pc:spChg chg="add del">
-          <ac:chgData name="Camille LAHAUT" userId="S::camille.lahaut@stfelixlasalle.fr::512bb541-1bf7-451d-b975-a653a10dbe18" providerId="AD" clId="Web-{FDB99DC2-A89E-72DF-4A44-BEF728F33161}" dt="2020-01-15T14:56:12.057" v="28"/>
+          <ac:chgData name="Camille LAHAUT" userId="S::camille.lahaut@stfelixlasalle.fr::512bb541-1bf7-451d-b975-a653a10dbe18" providerId="AD" clId="Web-{FDB99DC2-A89E-72DF-4A44-BEF728F33161}" dt="2020-01-15T14:56:12.057" v="28" actId="1076"/>
           <ac:spMkLst>
             <pc:docMk/>
             <pc:sldMk cId="2436869124" sldId="259"/>
@@ -2197,7 +2200,7 @@
           </ac:spMkLst>
         </pc:spChg>
         <pc:picChg chg="add mod">
-          <ac:chgData name="Camille LAHAUT" userId="S::camille.lahaut@stfelixlasalle.fr::512bb541-1bf7-451d-b975-a653a10dbe18" providerId="AD" clId="Web-{FDB99DC2-A89E-72DF-4A44-BEF728F33161}" dt="2020-01-15T14:56:12.057" v="28"/>
+          <ac:chgData name="Camille LAHAUT" userId="S::camille.lahaut@stfelixlasalle.fr::512bb541-1bf7-451d-b975-a653a10dbe18" providerId="AD" clId="Web-{FDB99DC2-A89E-72DF-4A44-BEF728F33161}" dt="2020-01-15T14:56:12.057" v="28" actId="1076"/>
           <ac:picMkLst>
             <pc:docMk/>
             <pc:sldMk cId="2436869124" sldId="259"/>
@@ -2213,7 +2216,7 @@
           </ac:picMkLst>
         </pc:picChg>
         <pc:cxnChg chg="add del">
-          <ac:chgData name="Camille LAHAUT" userId="S::camille.lahaut@stfelixlasalle.fr::512bb541-1bf7-451d-b975-a653a10dbe18" providerId="AD" clId="Web-{FDB99DC2-A89E-72DF-4A44-BEF728F33161}" dt="2020-01-15T14:56:12.057" v="28"/>
+          <ac:chgData name="Camille LAHAUT" userId="S::camille.lahaut@stfelixlasalle.fr::512bb541-1bf7-451d-b975-a653a10dbe18" providerId="AD" clId="Web-{FDB99DC2-A89E-72DF-4A44-BEF728F33161}" dt="2020-01-15T14:56:12.057" v="28" actId="1076"/>
           <ac:cxnSpMkLst>
             <pc:docMk/>
             <pc:sldMk cId="2436869124" sldId="259"/>
@@ -2308,7 +2311,7 @@
           <a:p>
             <a:fld id="{4F2A911A-B675-4EA2-A2BE-51EF6DA14C3B}" type="datetimeFigureOut">
               <a:rPr lang="fr-FR" smtClean="0"/>
-              <a:t>22/01/2020</a:t>
+              <a:t>04/02/2020</a:t>
             </a:fld>
             <a:endParaRPr lang="fr-FR"/>
           </a:p>
@@ -2887,7 +2890,7 @@
             <a:fld id="{B61BEF0D-F0BB-DE4B-95CE-6DB70DBA9567}" type="datetimeFigureOut">
               <a:rPr lang="en-US" dirty="0"/>
               <a:pPr/>
-              <a:t>1/22/2020</a:t>
+              <a:t>2/4/2020</a:t>
             </a:fld>
             <a:endParaRPr lang="en-US" dirty="0"/>
           </a:p>
@@ -3218,7 +3221,7 @@
             <a:fld id="{B61BEF0D-F0BB-DE4B-95CE-6DB70DBA9567}" type="datetimeFigureOut">
               <a:rPr lang="en-US" dirty="0"/>
               <a:pPr/>
-              <a:t>1/22/2020</a:t>
+              <a:t>2/4/2020</a:t>
             </a:fld>
             <a:endParaRPr lang="en-US" dirty="0"/>
           </a:p>
@@ -3497,7 +3500,7 @@
             <a:fld id="{B61BEF0D-F0BB-DE4B-95CE-6DB70DBA9567}" type="datetimeFigureOut">
               <a:rPr lang="en-US" dirty="0"/>
               <a:pPr/>
-              <a:t>1/22/2020</a:t>
+              <a:t>2/4/2020</a:t>
             </a:fld>
             <a:endParaRPr lang="en-US" dirty="0"/>
           </a:p>
@@ -4066,7 +4069,7 @@
             <a:fld id="{B61BEF0D-F0BB-DE4B-95CE-6DB70DBA9567}" type="datetimeFigureOut">
               <a:rPr lang="en-US" dirty="0"/>
               <a:pPr/>
-              <a:t>1/22/2020</a:t>
+              <a:t>2/4/2020</a:t>
             </a:fld>
             <a:endParaRPr lang="en-US" dirty="0"/>
           </a:p>
@@ -4345,7 +4348,7 @@
             <a:fld id="{B61BEF0D-F0BB-DE4B-95CE-6DB70DBA9567}" type="datetimeFigureOut">
               <a:rPr lang="en-US" dirty="0"/>
               <a:pPr/>
-              <a:t>1/22/2020</a:t>
+              <a:t>2/4/2020</a:t>
             </a:fld>
             <a:endParaRPr lang="en-US" dirty="0"/>
           </a:p>
@@ -4908,7 +4911,7 @@
             <a:fld id="{B61BEF0D-F0BB-DE4B-95CE-6DB70DBA9567}" type="datetimeFigureOut">
               <a:rPr lang="en-US" dirty="0"/>
               <a:pPr/>
-              <a:t>1/22/2020</a:t>
+              <a:t>2/4/2020</a:t>
             </a:fld>
             <a:endParaRPr lang="en-US" dirty="0"/>
           </a:p>
@@ -5236,7 +5239,7 @@
             <a:fld id="{B61BEF0D-F0BB-DE4B-95CE-6DB70DBA9567}" type="datetimeFigureOut">
               <a:rPr lang="en-US" dirty="0"/>
               <a:pPr/>
-              <a:t>1/22/2020</a:t>
+              <a:t>2/4/2020</a:t>
             </a:fld>
             <a:endParaRPr lang="en-US" dirty="0"/>
           </a:p>
@@ -5441,7 +5444,7 @@
             <a:fld id="{B61BEF0D-F0BB-DE4B-95CE-6DB70DBA9567}" type="datetimeFigureOut">
               <a:rPr lang="en-US" dirty="0"/>
               <a:pPr/>
-              <a:t>1/22/2020</a:t>
+              <a:t>2/4/2020</a:t>
             </a:fld>
             <a:endParaRPr lang="en-US" dirty="0"/>
           </a:p>
@@ -5651,7 +5654,7 @@
             <a:fld id="{B61BEF0D-F0BB-DE4B-95CE-6DB70DBA9567}" type="datetimeFigureOut">
               <a:rPr lang="en-US" dirty="0"/>
               <a:pPr/>
-              <a:t>1/22/2020</a:t>
+              <a:t>2/4/2020</a:t>
             </a:fld>
             <a:endParaRPr lang="en-US" dirty="0"/>
           </a:p>
@@ -5851,7 +5854,7 @@
             <a:fld id="{B61BEF0D-F0BB-DE4B-95CE-6DB70DBA9567}" type="datetimeFigureOut">
               <a:rPr lang="en-US" dirty="0"/>
               <a:pPr/>
-              <a:t>1/22/2020</a:t>
+              <a:t>2/4/2020</a:t>
             </a:fld>
             <a:endParaRPr lang="en-US" dirty="0"/>
           </a:p>
@@ -6128,7 +6131,7 @@
             <a:fld id="{B61BEF0D-F0BB-DE4B-95CE-6DB70DBA9567}" type="datetimeFigureOut">
               <a:rPr lang="en-US" dirty="0"/>
               <a:pPr/>
-              <a:t>1/22/2020</a:t>
+              <a:t>2/4/2020</a:t>
             </a:fld>
             <a:endParaRPr lang="en-US" dirty="0"/>
           </a:p>
@@ -6393,7 +6396,7 @@
             <a:fld id="{B61BEF0D-F0BB-DE4B-95CE-6DB70DBA9567}" type="datetimeFigureOut">
               <a:rPr lang="en-US" dirty="0"/>
               <a:pPr/>
-              <a:t>1/22/2020</a:t>
+              <a:t>2/4/2020</a:t>
             </a:fld>
             <a:endParaRPr lang="en-US" dirty="0"/>
           </a:p>
@@ -6766,7 +6769,7 @@
             <a:fld id="{B61BEF0D-F0BB-DE4B-95CE-6DB70DBA9567}" type="datetimeFigureOut">
               <a:rPr lang="en-US" dirty="0"/>
               <a:pPr/>
-              <a:t>1/22/2020</a:t>
+              <a:t>2/4/2020</a:t>
             </a:fld>
             <a:endParaRPr lang="en-US" dirty="0"/>
           </a:p>
@@ -6915,7 +6918,7 @@
             <a:fld id="{B61BEF0D-F0BB-DE4B-95CE-6DB70DBA9567}" type="datetimeFigureOut">
               <a:rPr lang="en-US" dirty="0"/>
               <a:pPr/>
-              <a:t>1/22/2020</a:t>
+              <a:t>2/4/2020</a:t>
             </a:fld>
             <a:endParaRPr lang="en-US" dirty="0"/>
           </a:p>
@@ -7042,7 +7045,7 @@
             <a:fld id="{B61BEF0D-F0BB-DE4B-95CE-6DB70DBA9567}" type="datetimeFigureOut">
               <a:rPr lang="en-US" dirty="0"/>
               <a:pPr/>
-              <a:t>1/22/2020</a:t>
+              <a:t>2/4/2020</a:t>
             </a:fld>
             <a:endParaRPr lang="en-US" dirty="0"/>
           </a:p>
@@ -7327,7 +7330,7 @@
             <a:fld id="{B61BEF0D-F0BB-DE4B-95CE-6DB70DBA9567}" type="datetimeFigureOut">
               <a:rPr lang="en-US" dirty="0"/>
               <a:pPr/>
-              <a:t>1/22/2020</a:t>
+              <a:t>2/4/2020</a:t>
             </a:fld>
             <a:endParaRPr lang="en-US" dirty="0"/>
           </a:p>
@@ -7648,7 +7651,7 @@
             <a:fld id="{B61BEF0D-F0BB-DE4B-95CE-6DB70DBA9567}" type="datetimeFigureOut">
               <a:rPr lang="en-US" dirty="0"/>
               <a:pPr/>
-              <a:t>1/22/2020</a:t>
+              <a:t>2/4/2020</a:t>
             </a:fld>
             <a:endParaRPr lang="en-US" dirty="0"/>
           </a:p>
@@ -7862,7 +7865,7 @@
             <a:fld id="{B61BEF0D-F0BB-DE4B-95CE-6DB70DBA9567}" type="datetimeFigureOut">
               <a:rPr lang="en-US" dirty="0"/>
               <a:pPr/>
-              <a:t>1/22/2020</a:t>
+              <a:t>2/4/2020</a:t>
             </a:fld>
             <a:endParaRPr lang="en-US" dirty="0"/>
           </a:p>
@@ -9540,6 +9543,567 @@
       </p:grpSpPr>
       <p:sp>
         <p:nvSpPr>
+          <p:cNvPr id="4" name="Titre 1">
+            <a:extLst>
+              <a:ext uri="{FF2B5EF4-FFF2-40B4-BE49-F238E27FC236}">
+                <a16:creationId xmlns:a16="http://schemas.microsoft.com/office/drawing/2014/main" id="{AE307510-E41C-497B-92C5-A2419BB599F2}"/>
+              </a:ext>
+            </a:extLst>
+          </p:cNvPr>
+          <p:cNvSpPr>
+            <a:spLocks noGrp="1"/>
+          </p:cNvSpPr>
+          <p:nvPr>
+            <p:ph type="title"/>
+          </p:nvPr>
+        </p:nvSpPr>
+        <p:spPr>
+          <a:xfrm>
+            <a:off x="685801" y="609600"/>
+            <a:ext cx="10131425" cy="1456267"/>
+          </a:xfrm>
+        </p:spPr>
+        <p:txBody>
+          <a:bodyPr>
+            <a:normAutofit/>
+          </a:bodyPr>
+          <a:lstStyle/>
+          <a:p>
+            <a:r>
+              <a:rPr lang="fr-FR" dirty="0"/>
+              <a:t>Comparaison avec d’autre PLC</a:t>
+            </a:r>
+            <a:br>
+              <a:rPr lang="fr-FR" dirty="0"/>
+            </a:br>
+            <a:endParaRPr lang="fr-FR" dirty="0"/>
+          </a:p>
+        </p:txBody>
+      </p:sp>
+      <p:sp>
+        <p:nvSpPr>
+          <p:cNvPr id="5" name="Rectangle 4">
+            <a:extLst>
+              <a:ext uri="{FF2B5EF4-FFF2-40B4-BE49-F238E27FC236}">
+                <a16:creationId xmlns:a16="http://schemas.microsoft.com/office/drawing/2014/main" id="{F673ECD2-FD0B-4ABC-A6A3-CA377F2AE2D6}"/>
+              </a:ext>
+            </a:extLst>
+          </p:cNvPr>
+          <p:cNvSpPr/>
+          <p:nvPr/>
+        </p:nvSpPr>
+        <p:spPr>
+          <a:xfrm>
+            <a:off x="106680" y="1871519"/>
+            <a:ext cx="2993501" cy="1829796"/>
+          </a:xfrm>
+          <a:prstGeom prst="rect">
+            <a:avLst/>
+          </a:prstGeom>
+        </p:spPr>
+        <p:txBody>
+          <a:bodyPr wrap="square">
+            <a:spAutoFit/>
+          </a:bodyPr>
+          <a:lstStyle/>
+          <a:p>
+            <a:pPr>
+              <a:lnSpc>
+                <a:spcPct val="107000"/>
+              </a:lnSpc>
+              <a:spcAft>
+                <a:spcPts val="800"/>
+              </a:spcAft>
+            </a:pPr>
+            <a:r>
+              <a:rPr lang="fr-FR" b="1" dirty="0" err="1">
+                <a:latin typeface="Calibri" panose="020F0502020204030204" pitchFamily="34" charset="0"/>
+                <a:ea typeface="Calibri" panose="020F0502020204030204" pitchFamily="34" charset="0"/>
+                <a:cs typeface="Calibri" panose="020F0502020204030204" pitchFamily="34" charset="0"/>
+              </a:rPr>
+              <a:t>Unipi</a:t>
+            </a:r>
+            <a:endParaRPr lang="fr-FR" b="1" dirty="0">
+              <a:latin typeface="Calibri" panose="020F0502020204030204" pitchFamily="34" charset="0"/>
+              <a:ea typeface="Calibri" panose="020F0502020204030204" pitchFamily="34" charset="0"/>
+              <a:cs typeface="Calibri" panose="020F0502020204030204" pitchFamily="34" charset="0"/>
+            </a:endParaRPr>
+          </a:p>
+          <a:p>
+            <a:r>
+              <a:rPr lang="fr-FR" dirty="0"/>
+              <a:t>Compatible </a:t>
+            </a:r>
+            <a:r>
+              <a:rPr lang="fr-FR" dirty="0" err="1"/>
+              <a:t>raspbery</a:t>
+            </a:r>
+            <a:r>
+              <a:rPr lang="fr-FR" dirty="0"/>
+              <a:t> pi</a:t>
+            </a:r>
+          </a:p>
+          <a:p>
+            <a:r>
+              <a:rPr lang="fr-FR" dirty="0"/>
+              <a:t>Supporte des entrées jusque a 40 volts DC</a:t>
+            </a:r>
+          </a:p>
+          <a:p>
+            <a:r>
+              <a:rPr lang="fr-FR" dirty="0"/>
+              <a:t>Possède 4 relais</a:t>
+            </a:r>
+          </a:p>
+          <a:p>
+            <a:pPr algn="ctr">
+              <a:lnSpc>
+                <a:spcPct val="107000"/>
+              </a:lnSpc>
+              <a:spcAft>
+                <a:spcPts val="800"/>
+              </a:spcAft>
+            </a:pPr>
+            <a:endParaRPr lang="fr-FR" sz="1400" dirty="0">
+              <a:effectLst/>
+              <a:latin typeface="Calibri" panose="020F0502020204030204" pitchFamily="34" charset="0"/>
+              <a:ea typeface="Calibri" panose="020F0502020204030204" pitchFamily="34" charset="0"/>
+              <a:cs typeface="Times New Roman" panose="02020603050405020304" pitchFamily="18" charset="0"/>
+            </a:endParaRPr>
+          </a:p>
+        </p:txBody>
+      </p:sp>
+      <p:sp>
+        <p:nvSpPr>
+          <p:cNvPr id="6" name="Rectangle 5">
+            <a:extLst>
+              <a:ext uri="{FF2B5EF4-FFF2-40B4-BE49-F238E27FC236}">
+                <a16:creationId xmlns:a16="http://schemas.microsoft.com/office/drawing/2014/main" id="{CBB30837-BD1C-4FD0-97E9-9011A64CA71B}"/>
+              </a:ext>
+            </a:extLst>
+          </p:cNvPr>
+          <p:cNvSpPr/>
+          <p:nvPr/>
+        </p:nvSpPr>
+        <p:spPr>
+          <a:xfrm>
+            <a:off x="3230879" y="1942659"/>
+            <a:ext cx="4480561" cy="1552797"/>
+          </a:xfrm>
+          <a:prstGeom prst="rect">
+            <a:avLst/>
+          </a:prstGeom>
+        </p:spPr>
+        <p:txBody>
+          <a:bodyPr wrap="square">
+            <a:spAutoFit/>
+          </a:bodyPr>
+          <a:lstStyle/>
+          <a:p>
+            <a:pPr>
+              <a:lnSpc>
+                <a:spcPct val="107000"/>
+              </a:lnSpc>
+              <a:spcAft>
+                <a:spcPts val="800"/>
+              </a:spcAft>
+            </a:pPr>
+            <a:r>
+              <a:rPr lang="fr-FR" b="1" dirty="0" err="1">
+                <a:latin typeface="Calibri" panose="020F0502020204030204" pitchFamily="34" charset="0"/>
+                <a:ea typeface="Calibri" panose="020F0502020204030204" pitchFamily="34" charset="0"/>
+                <a:cs typeface="Calibri" panose="020F0502020204030204" pitchFamily="34" charset="0"/>
+              </a:rPr>
+              <a:t>ModBerry</a:t>
+            </a:r>
+            <a:endParaRPr lang="fr-FR" b="1" dirty="0">
+              <a:latin typeface="Calibri" panose="020F0502020204030204" pitchFamily="34" charset="0"/>
+              <a:ea typeface="Calibri" panose="020F0502020204030204" pitchFamily="34" charset="0"/>
+              <a:cs typeface="Calibri" panose="020F0502020204030204" pitchFamily="34" charset="0"/>
+            </a:endParaRPr>
+          </a:p>
+          <a:p>
+            <a:r>
+              <a:rPr lang="fr-FR" dirty="0"/>
+              <a:t>Compatible avec les produits Raspberry Pi et Raspbian OS</a:t>
+            </a:r>
+          </a:p>
+          <a:p>
+            <a:r>
+              <a:rPr lang="fr-FR" dirty="0"/>
+              <a:t>Supporte le Protocol Lora</a:t>
+            </a:r>
+          </a:p>
+          <a:p>
+            <a:pPr algn="ctr">
+              <a:lnSpc>
+                <a:spcPct val="107000"/>
+              </a:lnSpc>
+              <a:spcAft>
+                <a:spcPts val="800"/>
+              </a:spcAft>
+            </a:pPr>
+            <a:endParaRPr lang="fr-FR" sz="1400" dirty="0">
+              <a:effectLst/>
+              <a:latin typeface="Calibri" panose="020F0502020204030204" pitchFamily="34" charset="0"/>
+              <a:ea typeface="Calibri" panose="020F0502020204030204" pitchFamily="34" charset="0"/>
+              <a:cs typeface="Times New Roman" panose="02020603050405020304" pitchFamily="18" charset="0"/>
+            </a:endParaRPr>
+          </a:p>
+        </p:txBody>
+      </p:sp>
+      <p:sp>
+        <p:nvSpPr>
+          <p:cNvPr id="7" name="Rectangle 6">
+            <a:extLst>
+              <a:ext uri="{FF2B5EF4-FFF2-40B4-BE49-F238E27FC236}">
+                <a16:creationId xmlns:a16="http://schemas.microsoft.com/office/drawing/2014/main" id="{FDB20D24-62A1-48BD-B861-2693A3348951}"/>
+              </a:ext>
+            </a:extLst>
+          </p:cNvPr>
+          <p:cNvSpPr/>
+          <p:nvPr/>
+        </p:nvSpPr>
+        <p:spPr>
+          <a:xfrm>
+            <a:off x="9210506" y="1871519"/>
+            <a:ext cx="2704567" cy="3053528"/>
+          </a:xfrm>
+          <a:prstGeom prst="rect">
+            <a:avLst/>
+          </a:prstGeom>
+        </p:spPr>
+        <p:txBody>
+          <a:bodyPr wrap="square">
+            <a:spAutoFit/>
+          </a:bodyPr>
+          <a:lstStyle/>
+          <a:p>
+            <a:pPr>
+              <a:lnSpc>
+                <a:spcPct val="107000"/>
+              </a:lnSpc>
+              <a:spcAft>
+                <a:spcPts val="800"/>
+              </a:spcAft>
+            </a:pPr>
+            <a:r>
+              <a:rPr lang="fr-FR" b="1" dirty="0">
+                <a:latin typeface="Calibri" panose="020F0502020204030204" pitchFamily="34" charset="0"/>
+                <a:ea typeface="Calibri" panose="020F0502020204030204" pitchFamily="34" charset="0"/>
+                <a:cs typeface="Calibri" panose="020F0502020204030204" pitchFamily="34" charset="0"/>
+              </a:rPr>
+              <a:t>Iono pi</a:t>
+            </a:r>
+          </a:p>
+          <a:p>
+            <a:pPr>
+              <a:lnSpc>
+                <a:spcPct val="107000"/>
+              </a:lnSpc>
+              <a:spcAft>
+                <a:spcPts val="800"/>
+              </a:spcAft>
+            </a:pPr>
+            <a:endParaRPr lang="fr-FR" sz="1400" b="1" dirty="0">
+              <a:effectLst/>
+              <a:latin typeface="Calibri" panose="020F0502020204030204" pitchFamily="34" charset="0"/>
+              <a:ea typeface="Calibri" panose="020F0502020204030204" pitchFamily="34" charset="0"/>
+              <a:cs typeface="Calibri" panose="020F0502020204030204" pitchFamily="34" charset="0"/>
+            </a:endParaRPr>
+          </a:p>
+          <a:p>
+            <a:pPr>
+              <a:lnSpc>
+                <a:spcPct val="107000"/>
+              </a:lnSpc>
+              <a:spcAft>
+                <a:spcPts val="800"/>
+              </a:spcAft>
+            </a:pPr>
+            <a:endParaRPr lang="fr-FR" sz="1400" b="1" dirty="0">
+              <a:latin typeface="Calibri" panose="020F0502020204030204" pitchFamily="34" charset="0"/>
+              <a:ea typeface="Calibri" panose="020F0502020204030204" pitchFamily="34" charset="0"/>
+              <a:cs typeface="Calibri" panose="020F0502020204030204" pitchFamily="34" charset="0"/>
+            </a:endParaRPr>
+          </a:p>
+          <a:p>
+            <a:pPr>
+              <a:lnSpc>
+                <a:spcPct val="107000"/>
+              </a:lnSpc>
+              <a:spcAft>
+                <a:spcPts val="800"/>
+              </a:spcAft>
+            </a:pPr>
+            <a:endParaRPr lang="fr-FR" sz="1400" b="1" dirty="0">
+              <a:effectLst/>
+              <a:latin typeface="Calibri" panose="020F0502020204030204" pitchFamily="34" charset="0"/>
+              <a:ea typeface="Calibri" panose="020F0502020204030204" pitchFamily="34" charset="0"/>
+              <a:cs typeface="Calibri" panose="020F0502020204030204" pitchFamily="34" charset="0"/>
+            </a:endParaRPr>
+          </a:p>
+          <a:p>
+            <a:pPr>
+              <a:lnSpc>
+                <a:spcPct val="107000"/>
+              </a:lnSpc>
+              <a:spcAft>
+                <a:spcPts val="800"/>
+              </a:spcAft>
+            </a:pPr>
+            <a:endParaRPr lang="fr-FR" sz="1400" b="1" dirty="0">
+              <a:latin typeface="Calibri" panose="020F0502020204030204" pitchFamily="34" charset="0"/>
+              <a:ea typeface="Calibri" panose="020F0502020204030204" pitchFamily="34" charset="0"/>
+              <a:cs typeface="Calibri" panose="020F0502020204030204" pitchFamily="34" charset="0"/>
+            </a:endParaRPr>
+          </a:p>
+          <a:p>
+            <a:pPr>
+              <a:lnSpc>
+                <a:spcPct val="107000"/>
+              </a:lnSpc>
+              <a:spcAft>
+                <a:spcPts val="800"/>
+              </a:spcAft>
+            </a:pPr>
+            <a:endParaRPr lang="fr-FR" sz="1400" b="1" dirty="0">
+              <a:effectLst/>
+              <a:latin typeface="Calibri" panose="020F0502020204030204" pitchFamily="34" charset="0"/>
+              <a:ea typeface="Calibri" panose="020F0502020204030204" pitchFamily="34" charset="0"/>
+              <a:cs typeface="Calibri" panose="020F0502020204030204" pitchFamily="34" charset="0"/>
+            </a:endParaRPr>
+          </a:p>
+          <a:p>
+            <a:pPr>
+              <a:lnSpc>
+                <a:spcPct val="107000"/>
+              </a:lnSpc>
+              <a:spcAft>
+                <a:spcPts val="800"/>
+              </a:spcAft>
+            </a:pPr>
+            <a:endParaRPr lang="fr-FR" sz="1400" b="1" dirty="0">
+              <a:latin typeface="Calibri" panose="020F0502020204030204" pitchFamily="34" charset="0"/>
+              <a:ea typeface="Calibri" panose="020F0502020204030204" pitchFamily="34" charset="0"/>
+              <a:cs typeface="Calibri" panose="020F0502020204030204" pitchFamily="34" charset="0"/>
+            </a:endParaRPr>
+          </a:p>
+          <a:p>
+            <a:pPr>
+              <a:lnSpc>
+                <a:spcPct val="107000"/>
+              </a:lnSpc>
+              <a:spcAft>
+                <a:spcPts val="800"/>
+              </a:spcAft>
+            </a:pPr>
+            <a:endParaRPr lang="fr-FR" sz="1400" b="1" dirty="0">
+              <a:effectLst/>
+              <a:latin typeface="Calibri" panose="020F0502020204030204" pitchFamily="34" charset="0"/>
+              <a:ea typeface="Calibri" panose="020F0502020204030204" pitchFamily="34" charset="0"/>
+              <a:cs typeface="Calibri" panose="020F0502020204030204" pitchFamily="34" charset="0"/>
+            </a:endParaRPr>
+          </a:p>
+          <a:p>
+            <a:pPr algn="ctr">
+              <a:lnSpc>
+                <a:spcPct val="107000"/>
+              </a:lnSpc>
+              <a:spcAft>
+                <a:spcPts val="800"/>
+              </a:spcAft>
+            </a:pPr>
+            <a:endParaRPr lang="fr-FR" sz="1400" dirty="0">
+              <a:effectLst/>
+              <a:latin typeface="Calibri" panose="020F0502020204030204" pitchFamily="34" charset="0"/>
+              <a:ea typeface="Calibri" panose="020F0502020204030204" pitchFamily="34" charset="0"/>
+              <a:cs typeface="Times New Roman" panose="02020603050405020304" pitchFamily="18" charset="0"/>
+            </a:endParaRPr>
+          </a:p>
+        </p:txBody>
+      </p:sp>
+      <p:pic>
+        <p:nvPicPr>
+          <p:cNvPr id="9" name="Image 8">
+            <a:extLst>
+              <a:ext uri="{FF2B5EF4-FFF2-40B4-BE49-F238E27FC236}">
+                <a16:creationId xmlns:a16="http://schemas.microsoft.com/office/drawing/2014/main" id="{948E58A3-EE91-4C4F-9E8B-77C0931768D1}"/>
+              </a:ext>
+            </a:extLst>
+          </p:cNvPr>
+          <p:cNvPicPr>
+            <a:picLocks noChangeAspect="1"/>
+          </p:cNvPicPr>
+          <p:nvPr/>
+        </p:nvPicPr>
+        <p:blipFill>
+          <a:blip r:embed="rId2"/>
+          <a:stretch>
+            <a:fillRect/>
+          </a:stretch>
+        </p:blipFill>
+        <p:spPr>
+          <a:xfrm>
+            <a:off x="7977237" y="1871519"/>
+            <a:ext cx="1168785" cy="1168785"/>
+          </a:xfrm>
+          <a:prstGeom prst="rect">
+            <a:avLst/>
+          </a:prstGeom>
+        </p:spPr>
+      </p:pic>
+    </p:spTree>
+    <p:extLst>
+      <p:ext uri="{BB962C8B-B14F-4D97-AF65-F5344CB8AC3E}">
+        <p14:creationId xmlns:p14="http://schemas.microsoft.com/office/powerpoint/2010/main" val="3649752889"/>
+      </p:ext>
+    </p:extLst>
+  </p:cSld>
+  <p:clrMapOvr>
+    <a:masterClrMapping/>
+  </p:clrMapOvr>
+</p:sld>
+</file>
+
+<file path=ppt/slides/slide11.xml><?xml version="1.0" encoding="utf-8"?>
+<p:sld xmlns:a="http://schemas.openxmlformats.org/drawingml/2006/main" xmlns:r="http://schemas.openxmlformats.org/officeDocument/2006/relationships" xmlns:p="http://schemas.openxmlformats.org/presentationml/2006/main">
+  <p:cSld>
+    <p:spTree>
+      <p:nvGrpSpPr>
+        <p:cNvPr id="1" name=""/>
+        <p:cNvGrpSpPr/>
+        <p:nvPr/>
+      </p:nvGrpSpPr>
+      <p:grpSpPr>
+        <a:xfrm>
+          <a:off x="0" y="0"/>
+          <a:ext cx="0" cy="0"/>
+          <a:chOff x="0" y="0"/>
+          <a:chExt cx="0" cy="0"/>
+        </a:xfrm>
+      </p:grpSpPr>
+      <p:pic>
+        <p:nvPicPr>
+          <p:cNvPr id="4" name="Image 3">
+            <a:extLst>
+              <a:ext uri="{FF2B5EF4-FFF2-40B4-BE49-F238E27FC236}">
+                <a16:creationId xmlns:a16="http://schemas.microsoft.com/office/drawing/2014/main" id="{36E8E7F3-2163-4A33-A5A8-3007E4E91063}"/>
+              </a:ext>
+            </a:extLst>
+          </p:cNvPr>
+          <p:cNvPicPr>
+            <a:picLocks noChangeAspect="1"/>
+          </p:cNvPicPr>
+          <p:nvPr/>
+        </p:nvPicPr>
+        <p:blipFill rotWithShape="1">
+          <a:blip r:embed="rId2"/>
+          <a:srcRect b="4076"/>
+          <a:stretch/>
+        </p:blipFill>
+        <p:spPr>
+          <a:xfrm>
+            <a:off x="850375" y="441960"/>
+            <a:ext cx="9053101" cy="5379720"/>
+          </a:xfrm>
+          <a:prstGeom prst="rect">
+            <a:avLst/>
+          </a:prstGeom>
+        </p:spPr>
+      </p:pic>
+    </p:spTree>
+    <p:extLst>
+      <p:ext uri="{BB962C8B-B14F-4D97-AF65-F5344CB8AC3E}">
+        <p14:creationId xmlns:p14="http://schemas.microsoft.com/office/powerpoint/2010/main" val="2917944477"/>
+      </p:ext>
+    </p:extLst>
+  </p:cSld>
+  <p:clrMapOvr>
+    <a:masterClrMapping/>
+  </p:clrMapOvr>
+</p:sld>
+</file>
+
+<file path=ppt/slides/slide12.xml><?xml version="1.0" encoding="utf-8"?>
+<p:sld xmlns:a="http://schemas.openxmlformats.org/drawingml/2006/main" xmlns:r="http://schemas.openxmlformats.org/officeDocument/2006/relationships" xmlns:p="http://schemas.openxmlformats.org/presentationml/2006/main">
+  <p:cSld>
+    <p:spTree>
+      <p:nvGrpSpPr>
+        <p:cNvPr id="1" name=""/>
+        <p:cNvGrpSpPr/>
+        <p:nvPr/>
+      </p:nvGrpSpPr>
+      <p:grpSpPr>
+        <a:xfrm>
+          <a:off x="0" y="0"/>
+          <a:ext cx="0" cy="0"/>
+          <a:chOff x="0" y="0"/>
+          <a:chExt cx="0" cy="0"/>
+        </a:xfrm>
+      </p:grpSpPr>
+      <p:pic>
+        <p:nvPicPr>
+          <p:cNvPr id="4" name="Image 3">
+            <a:extLst>
+              <a:ext uri="{FF2B5EF4-FFF2-40B4-BE49-F238E27FC236}">
+                <a16:creationId xmlns:a16="http://schemas.microsoft.com/office/drawing/2014/main" id="{00E90BB5-BFC0-4AB1-AEC7-FB946C1D0B44}"/>
+              </a:ext>
+            </a:extLst>
+          </p:cNvPr>
+          <p:cNvPicPr>
+            <a:picLocks noChangeAspect="1"/>
+          </p:cNvPicPr>
+          <p:nvPr/>
+        </p:nvPicPr>
+        <p:blipFill>
+          <a:blip r:embed="rId2"/>
+          <a:stretch>
+            <a:fillRect/>
+          </a:stretch>
+        </p:blipFill>
+        <p:spPr>
+          <a:xfrm>
+            <a:off x="876300" y="214312"/>
+            <a:ext cx="10439400" cy="6429375"/>
+          </a:xfrm>
+          <a:prstGeom prst="rect">
+            <a:avLst/>
+          </a:prstGeom>
+        </p:spPr>
+      </p:pic>
+    </p:spTree>
+    <p:extLst>
+      <p:ext uri="{BB962C8B-B14F-4D97-AF65-F5344CB8AC3E}">
+        <p14:creationId xmlns:p14="http://schemas.microsoft.com/office/powerpoint/2010/main" val="768369196"/>
+      </p:ext>
+    </p:extLst>
+  </p:cSld>
+  <p:clrMapOvr>
+    <a:masterClrMapping/>
+  </p:clrMapOvr>
+</p:sld>
+</file>
+
+<file path=ppt/slides/slide13.xml><?xml version="1.0" encoding="utf-8"?>
+<p:sld xmlns:a="http://schemas.openxmlformats.org/drawingml/2006/main" xmlns:r="http://schemas.openxmlformats.org/officeDocument/2006/relationships" xmlns:p="http://schemas.openxmlformats.org/presentationml/2006/main">
+  <p:cSld>
+    <p:spTree>
+      <p:nvGrpSpPr>
+        <p:cNvPr id="1" name=""/>
+        <p:cNvGrpSpPr/>
+        <p:nvPr/>
+      </p:nvGrpSpPr>
+      <p:grpSpPr>
+        <a:xfrm>
+          <a:off x="0" y="0"/>
+          <a:ext cx="0" cy="0"/>
+          <a:chOff x="0" y="0"/>
+          <a:chExt cx="0" cy="0"/>
+        </a:xfrm>
+      </p:grpSpPr>
+      <p:sp>
+        <p:nvSpPr>
           <p:cNvPr id="2" name="Titre 1">
             <a:extLst>
               <a:ext uri="{FF2B5EF4-FFF2-40B4-BE49-F238E27FC236}">
@@ -10704,7 +11268,7 @@
           <p:nvPr>
             <p:extLst>
               <p:ext uri="{D42A27DB-BD31-4B8C-83A1-F6EECF244321}">
-                <p14:modId xmlns:p14="http://schemas.microsoft.com/office/powerpoint/2010/main" val="811162890"/>
+                <p14:modId xmlns:p14="http://schemas.microsoft.com/office/powerpoint/2010/main" val="1501730246"/>
               </p:ext>
             </p:extLst>
           </p:nvPr>
@@ -10734,14 +11298,14 @@
                     </a:ext>
                   </a:extLst>
                 </a:gridCol>
-                <a:gridCol w="3070629">
+                <a:gridCol w="4534442">
                   <a:extLst>
                     <a:ext uri="{9D8B030D-6E8A-4147-A177-3AD203B41FA5}">
                       <a16:colId xmlns:a16="http://schemas.microsoft.com/office/drawing/2014/main" val="3102331855"/>
                     </a:ext>
                   </a:extLst>
                 </a:gridCol>
-                <a:gridCol w="1699795">
+                <a:gridCol w="235982">
                   <a:extLst>
                     <a:ext uri="{9D8B030D-6E8A-4147-A177-3AD203B41FA5}">
                       <a16:colId xmlns:a16="http://schemas.microsoft.com/office/drawing/2014/main" val="3153767010"/>
@@ -10813,12 +11377,6 @@
                     <a:lstStyle/>
                     <a:p>
                       <a:pPr algn="l" rtl="0" fontAlgn="base"/>
-                      <a:r>
-                        <a:rPr lang="fr-FR" sz="1300" dirty="0">
-                          <a:effectLst/>
-                        </a:rPr>
-                        <a:t>Flexibilité </a:t>
-                      </a:r>
                       <a:endParaRPr lang="fr-FR" sz="2100" b="0" i="0" dirty="0">
                         <a:effectLst/>
                       </a:endParaRPr>
@@ -14218,7 +14776,7 @@
           <a:p>
             <a:r>
               <a:rPr lang="fr-FR" dirty="0" err="1"/>
-              <a:t>Memore</a:t>
+              <a:t>Memoire</a:t>
             </a:r>
             <a:r>
               <a:rPr lang="fr-FR" dirty="0"/>

--- a/Commun/Membres/Willy/Présentation revu de projet 1.pptx
+++ b/Commun/Membres/Willy/Présentation revu de projet 1.pptx
@@ -5,7 +5,7 @@
     <p:sldMasterId id="2147483696" r:id="rId1"/>
   </p:sldMasterIdLst>
   <p:notesMasterIdLst>
-    <p:notesMasterId r:id="rId15"/>
+    <p:notesMasterId r:id="rId16"/>
   </p:notesMasterIdLst>
   <p:sldIdLst>
     <p:sldId id="262" r:id="rId2"/>
@@ -14,13 +14,14 @@
     <p:sldId id="261" r:id="rId5"/>
     <p:sldId id="256" r:id="rId6"/>
     <p:sldId id="257" r:id="rId7"/>
-    <p:sldId id="263" r:id="rId8"/>
-    <p:sldId id="267" r:id="rId9"/>
-    <p:sldId id="268" r:id="rId10"/>
-    <p:sldId id="269" r:id="rId11"/>
-    <p:sldId id="270" r:id="rId12"/>
-    <p:sldId id="271" r:id="rId13"/>
-    <p:sldId id="266" r:id="rId14"/>
+    <p:sldId id="272" r:id="rId8"/>
+    <p:sldId id="263" r:id="rId9"/>
+    <p:sldId id="267" r:id="rId10"/>
+    <p:sldId id="270" r:id="rId11"/>
+    <p:sldId id="268" r:id="rId12"/>
+    <p:sldId id="269" r:id="rId13"/>
+    <p:sldId id="271" r:id="rId14"/>
+    <p:sldId id="266" r:id="rId15"/>
   </p:sldIdLst>
   <p:sldSz cx="12192000" cy="6858000"/>
   <p:notesSz cx="6858000" cy="9144000"/>
@@ -2311,7 +2312,7 @@
           <a:p>
             <a:fld id="{4F2A911A-B675-4EA2-A2BE-51EF6DA14C3B}" type="datetimeFigureOut">
               <a:rPr lang="fr-FR" smtClean="0"/>
-              <a:t>04/02/2020</a:t>
+              <a:t>05/02/2020</a:t>
             </a:fld>
             <a:endParaRPr lang="fr-FR"/>
           </a:p>
@@ -2890,7 +2891,7 @@
             <a:fld id="{B61BEF0D-F0BB-DE4B-95CE-6DB70DBA9567}" type="datetimeFigureOut">
               <a:rPr lang="en-US" dirty="0"/>
               <a:pPr/>
-              <a:t>2/4/2020</a:t>
+              <a:t>2/5/2020</a:t>
             </a:fld>
             <a:endParaRPr lang="en-US" dirty="0"/>
           </a:p>
@@ -3221,7 +3222,7 @@
             <a:fld id="{B61BEF0D-F0BB-DE4B-95CE-6DB70DBA9567}" type="datetimeFigureOut">
               <a:rPr lang="en-US" dirty="0"/>
               <a:pPr/>
-              <a:t>2/4/2020</a:t>
+              <a:t>2/5/2020</a:t>
             </a:fld>
             <a:endParaRPr lang="en-US" dirty="0"/>
           </a:p>
@@ -3500,7 +3501,7 @@
             <a:fld id="{B61BEF0D-F0BB-DE4B-95CE-6DB70DBA9567}" type="datetimeFigureOut">
               <a:rPr lang="en-US" dirty="0"/>
               <a:pPr/>
-              <a:t>2/4/2020</a:t>
+              <a:t>2/5/2020</a:t>
             </a:fld>
             <a:endParaRPr lang="en-US" dirty="0"/>
           </a:p>
@@ -4069,7 +4070,7 @@
             <a:fld id="{B61BEF0D-F0BB-DE4B-95CE-6DB70DBA9567}" type="datetimeFigureOut">
               <a:rPr lang="en-US" dirty="0"/>
               <a:pPr/>
-              <a:t>2/4/2020</a:t>
+              <a:t>2/5/2020</a:t>
             </a:fld>
             <a:endParaRPr lang="en-US" dirty="0"/>
           </a:p>
@@ -4348,7 +4349,7 @@
             <a:fld id="{B61BEF0D-F0BB-DE4B-95CE-6DB70DBA9567}" type="datetimeFigureOut">
               <a:rPr lang="en-US" dirty="0"/>
               <a:pPr/>
-              <a:t>2/4/2020</a:t>
+              <a:t>2/5/2020</a:t>
             </a:fld>
             <a:endParaRPr lang="en-US" dirty="0"/>
           </a:p>
@@ -4911,7 +4912,7 @@
             <a:fld id="{B61BEF0D-F0BB-DE4B-95CE-6DB70DBA9567}" type="datetimeFigureOut">
               <a:rPr lang="en-US" dirty="0"/>
               <a:pPr/>
-              <a:t>2/4/2020</a:t>
+              <a:t>2/5/2020</a:t>
             </a:fld>
             <a:endParaRPr lang="en-US" dirty="0"/>
           </a:p>
@@ -5239,7 +5240,7 @@
             <a:fld id="{B61BEF0D-F0BB-DE4B-95CE-6DB70DBA9567}" type="datetimeFigureOut">
               <a:rPr lang="en-US" dirty="0"/>
               <a:pPr/>
-              <a:t>2/4/2020</a:t>
+              <a:t>2/5/2020</a:t>
             </a:fld>
             <a:endParaRPr lang="en-US" dirty="0"/>
           </a:p>
@@ -5444,7 +5445,7 @@
             <a:fld id="{B61BEF0D-F0BB-DE4B-95CE-6DB70DBA9567}" type="datetimeFigureOut">
               <a:rPr lang="en-US" dirty="0"/>
               <a:pPr/>
-              <a:t>2/4/2020</a:t>
+              <a:t>2/5/2020</a:t>
             </a:fld>
             <a:endParaRPr lang="en-US" dirty="0"/>
           </a:p>
@@ -5654,7 +5655,7 @@
             <a:fld id="{B61BEF0D-F0BB-DE4B-95CE-6DB70DBA9567}" type="datetimeFigureOut">
               <a:rPr lang="en-US" dirty="0"/>
               <a:pPr/>
-              <a:t>2/4/2020</a:t>
+              <a:t>2/5/2020</a:t>
             </a:fld>
             <a:endParaRPr lang="en-US" dirty="0"/>
           </a:p>
@@ -5854,7 +5855,7 @@
             <a:fld id="{B61BEF0D-F0BB-DE4B-95CE-6DB70DBA9567}" type="datetimeFigureOut">
               <a:rPr lang="en-US" dirty="0"/>
               <a:pPr/>
-              <a:t>2/4/2020</a:t>
+              <a:t>2/5/2020</a:t>
             </a:fld>
             <a:endParaRPr lang="en-US" dirty="0"/>
           </a:p>
@@ -6131,7 +6132,7 @@
             <a:fld id="{B61BEF0D-F0BB-DE4B-95CE-6DB70DBA9567}" type="datetimeFigureOut">
               <a:rPr lang="en-US" dirty="0"/>
               <a:pPr/>
-              <a:t>2/4/2020</a:t>
+              <a:t>2/5/2020</a:t>
             </a:fld>
             <a:endParaRPr lang="en-US" dirty="0"/>
           </a:p>
@@ -6396,7 +6397,7 @@
             <a:fld id="{B61BEF0D-F0BB-DE4B-95CE-6DB70DBA9567}" type="datetimeFigureOut">
               <a:rPr lang="en-US" dirty="0"/>
               <a:pPr/>
-              <a:t>2/4/2020</a:t>
+              <a:t>2/5/2020</a:t>
             </a:fld>
             <a:endParaRPr lang="en-US" dirty="0"/>
           </a:p>
@@ -6769,7 +6770,7 @@
             <a:fld id="{B61BEF0D-F0BB-DE4B-95CE-6DB70DBA9567}" type="datetimeFigureOut">
               <a:rPr lang="en-US" dirty="0"/>
               <a:pPr/>
-              <a:t>2/4/2020</a:t>
+              <a:t>2/5/2020</a:t>
             </a:fld>
             <a:endParaRPr lang="en-US" dirty="0"/>
           </a:p>
@@ -6918,7 +6919,7 @@
             <a:fld id="{B61BEF0D-F0BB-DE4B-95CE-6DB70DBA9567}" type="datetimeFigureOut">
               <a:rPr lang="en-US" dirty="0"/>
               <a:pPr/>
-              <a:t>2/4/2020</a:t>
+              <a:t>2/5/2020</a:t>
             </a:fld>
             <a:endParaRPr lang="en-US" dirty="0"/>
           </a:p>
@@ -7045,7 +7046,7 @@
             <a:fld id="{B61BEF0D-F0BB-DE4B-95CE-6DB70DBA9567}" type="datetimeFigureOut">
               <a:rPr lang="en-US" dirty="0"/>
               <a:pPr/>
-              <a:t>2/4/2020</a:t>
+              <a:t>2/5/2020</a:t>
             </a:fld>
             <a:endParaRPr lang="en-US" dirty="0"/>
           </a:p>
@@ -7330,7 +7331,7 @@
             <a:fld id="{B61BEF0D-F0BB-DE4B-95CE-6DB70DBA9567}" type="datetimeFigureOut">
               <a:rPr lang="en-US" dirty="0"/>
               <a:pPr/>
-              <a:t>2/4/2020</a:t>
+              <a:t>2/5/2020</a:t>
             </a:fld>
             <a:endParaRPr lang="en-US" dirty="0"/>
           </a:p>
@@ -7651,7 +7652,7 @@
             <a:fld id="{B61BEF0D-F0BB-DE4B-95CE-6DB70DBA9567}" type="datetimeFigureOut">
               <a:rPr lang="en-US" dirty="0"/>
               <a:pPr/>
-              <a:t>2/4/2020</a:t>
+              <a:t>2/5/2020</a:t>
             </a:fld>
             <a:endParaRPr lang="en-US" dirty="0"/>
           </a:p>
@@ -7865,7 +7866,7 @@
             <a:fld id="{B61BEF0D-F0BB-DE4B-95CE-6DB70DBA9567}" type="datetimeFigureOut">
               <a:rPr lang="en-US" dirty="0"/>
               <a:pPr/>
-              <a:t>2/4/2020</a:t>
+              <a:t>2/5/2020</a:t>
             </a:fld>
             <a:endParaRPr lang="en-US" dirty="0"/>
           </a:p>
@@ -9511,6 +9512,41 @@
           </a:prstGeom>
         </p:spPr>
       </p:pic>
+      <p:sp>
+        <p:nvSpPr>
+          <p:cNvPr id="5" name="ZoneTexte 4">
+            <a:extLst>
+              <a:ext uri="{FF2B5EF4-FFF2-40B4-BE49-F238E27FC236}">
+                <a16:creationId xmlns:a16="http://schemas.microsoft.com/office/drawing/2014/main" id="{2832452A-D254-4881-850A-2FCADA36001C}"/>
+              </a:ext>
+            </a:extLst>
+          </p:cNvPr>
+          <p:cNvSpPr txBox="1"/>
+          <p:nvPr/>
+        </p:nvSpPr>
+        <p:spPr>
+          <a:xfrm>
+            <a:off x="161925" y="6434138"/>
+            <a:ext cx="1209675" cy="369332"/>
+          </a:xfrm>
+          <a:prstGeom prst="rect">
+            <a:avLst/>
+          </a:prstGeom>
+          <a:noFill/>
+        </p:spPr>
+        <p:txBody>
+          <a:bodyPr wrap="square" rtlCol="0">
+            <a:spAutoFit/>
+          </a:bodyPr>
+          <a:lstStyle/>
+          <a:p>
+            <a:r>
+              <a:rPr lang="fr-FR" dirty="0"/>
+              <a:t>Page 1/13</a:t>
+            </a:r>
+          </a:p>
+        </p:txBody>
+      </p:sp>
     </p:spTree>
     <p:extLst>
       <p:ext uri="{BB962C8B-B14F-4D97-AF65-F5344CB8AC3E}">
@@ -9525,6 +9561,397 @@
 </file>
 
 <file path=ppt/slides/slide10.xml><?xml version="1.0" encoding="utf-8"?>
+<p:sld xmlns:a="http://schemas.openxmlformats.org/drawingml/2006/main" xmlns:r="http://schemas.openxmlformats.org/officeDocument/2006/relationships" xmlns:p="http://schemas.openxmlformats.org/presentationml/2006/main">
+  <p:cSld>
+    <p:spTree>
+      <p:nvGrpSpPr>
+        <p:cNvPr id="1" name=""/>
+        <p:cNvGrpSpPr/>
+        <p:nvPr/>
+      </p:nvGrpSpPr>
+      <p:grpSpPr>
+        <a:xfrm>
+          <a:off x="0" y="0"/>
+          <a:ext cx="0" cy="0"/>
+          <a:chOff x="0" y="0"/>
+          <a:chExt cx="0" cy="0"/>
+        </a:xfrm>
+      </p:grpSpPr>
+      <p:pic>
+        <p:nvPicPr>
+          <p:cNvPr id="4" name="Image 3">
+            <a:extLst>
+              <a:ext uri="{FF2B5EF4-FFF2-40B4-BE49-F238E27FC236}">
+                <a16:creationId xmlns:a16="http://schemas.microsoft.com/office/drawing/2014/main" id="{36E8E7F3-2163-4A33-A5A8-3007E4E91063}"/>
+              </a:ext>
+            </a:extLst>
+          </p:cNvPr>
+          <p:cNvPicPr>
+            <a:picLocks noChangeAspect="1"/>
+          </p:cNvPicPr>
+          <p:nvPr/>
+        </p:nvPicPr>
+        <p:blipFill rotWithShape="1">
+          <a:blip r:embed="rId2"/>
+          <a:srcRect b="4076"/>
+          <a:stretch/>
+        </p:blipFill>
+        <p:spPr>
+          <a:xfrm>
+            <a:off x="1719263" y="1572484"/>
+            <a:ext cx="8395876" cy="4989170"/>
+          </a:xfrm>
+          <a:prstGeom prst="rect">
+            <a:avLst/>
+          </a:prstGeom>
+        </p:spPr>
+      </p:pic>
+      <p:sp>
+        <p:nvSpPr>
+          <p:cNvPr id="3" name="ZoneTexte 2">
+            <a:extLst>
+              <a:ext uri="{FF2B5EF4-FFF2-40B4-BE49-F238E27FC236}">
+                <a16:creationId xmlns:a16="http://schemas.microsoft.com/office/drawing/2014/main" id="{F97828BA-0597-4B71-A5A2-E5E343AC8580}"/>
+              </a:ext>
+            </a:extLst>
+          </p:cNvPr>
+          <p:cNvSpPr txBox="1"/>
+          <p:nvPr/>
+        </p:nvSpPr>
+        <p:spPr>
+          <a:xfrm>
+            <a:off x="161925" y="6434138"/>
+            <a:ext cx="1357313" cy="369332"/>
+          </a:xfrm>
+          <a:prstGeom prst="rect">
+            <a:avLst/>
+          </a:prstGeom>
+          <a:noFill/>
+        </p:spPr>
+        <p:txBody>
+          <a:bodyPr wrap="square" rtlCol="0">
+            <a:spAutoFit/>
+          </a:bodyPr>
+          <a:lstStyle/>
+          <a:p>
+            <a:r>
+              <a:rPr lang="fr-FR" dirty="0"/>
+              <a:t>Page 10/13</a:t>
+            </a:r>
+          </a:p>
+        </p:txBody>
+      </p:sp>
+      <p:sp>
+        <p:nvSpPr>
+          <p:cNvPr id="5" name="Titre 1">
+            <a:extLst>
+              <a:ext uri="{FF2B5EF4-FFF2-40B4-BE49-F238E27FC236}">
+                <a16:creationId xmlns:a16="http://schemas.microsoft.com/office/drawing/2014/main" id="{918399C5-85DB-4D16-ACC0-ECE2CC221515}"/>
+              </a:ext>
+            </a:extLst>
+          </p:cNvPr>
+          <p:cNvSpPr>
+            <a:spLocks noGrp="1"/>
+          </p:cNvSpPr>
+          <p:nvPr>
+            <p:ph type="title"/>
+          </p:nvPr>
+        </p:nvSpPr>
+        <p:spPr>
+          <a:xfrm>
+            <a:off x="685801" y="609600"/>
+            <a:ext cx="10131425" cy="1456267"/>
+          </a:xfrm>
+        </p:spPr>
+        <p:txBody>
+          <a:bodyPr>
+            <a:normAutofit/>
+          </a:bodyPr>
+          <a:lstStyle/>
+          <a:p>
+            <a:r>
+              <a:rPr lang="fr-FR" b="1" dirty="0"/>
+              <a:t>Accéder au parking</a:t>
+            </a:r>
+            <a:r>
+              <a:rPr lang="fr-FR" dirty="0"/>
+              <a:t>	</a:t>
+            </a:r>
+            <a:br>
+              <a:rPr lang="fr-FR" dirty="0"/>
+            </a:br>
+            <a:endParaRPr lang="fr-FR" dirty="0"/>
+          </a:p>
+        </p:txBody>
+      </p:sp>
+    </p:spTree>
+    <p:extLst>
+      <p:ext uri="{BB962C8B-B14F-4D97-AF65-F5344CB8AC3E}">
+        <p14:creationId xmlns:p14="http://schemas.microsoft.com/office/powerpoint/2010/main" val="2917944477"/>
+      </p:ext>
+    </p:extLst>
+  </p:cSld>
+  <p:clrMapOvr>
+    <a:masterClrMapping/>
+  </p:clrMapOvr>
+</p:sld>
+</file>
+
+<file path=ppt/slides/slide11.xml><?xml version="1.0" encoding="utf-8"?>
+<p:sld xmlns:a="http://schemas.openxmlformats.org/drawingml/2006/main" xmlns:r="http://schemas.openxmlformats.org/officeDocument/2006/relationships" xmlns:p="http://schemas.openxmlformats.org/presentationml/2006/main">
+  <p:cSld>
+    <p:spTree>
+      <p:nvGrpSpPr>
+        <p:cNvPr id="1" name=""/>
+        <p:cNvGrpSpPr/>
+        <p:nvPr/>
+      </p:nvGrpSpPr>
+      <p:grpSpPr>
+        <a:xfrm>
+          <a:off x="0" y="0"/>
+          <a:ext cx="0" cy="0"/>
+          <a:chOff x="0" y="0"/>
+          <a:chExt cx="0" cy="0"/>
+        </a:xfrm>
+      </p:grpSpPr>
+      <p:sp>
+        <p:nvSpPr>
+          <p:cNvPr id="2" name="Titre 1">
+            <a:extLst>
+              <a:ext uri="{FF2B5EF4-FFF2-40B4-BE49-F238E27FC236}">
+                <a16:creationId xmlns:a16="http://schemas.microsoft.com/office/drawing/2014/main" id="{C92BAFFE-F692-4089-8C82-9D869922FCB0}"/>
+              </a:ext>
+            </a:extLst>
+          </p:cNvPr>
+          <p:cNvSpPr>
+            <a:spLocks noGrp="1"/>
+          </p:cNvSpPr>
+          <p:nvPr>
+            <p:ph type="title"/>
+          </p:nvPr>
+        </p:nvSpPr>
+        <p:spPr/>
+        <p:txBody>
+          <a:bodyPr>
+            <a:normAutofit fontScale="90000"/>
+          </a:bodyPr>
+          <a:lstStyle/>
+          <a:p>
+            <a:r>
+              <a:rPr lang="fr-FR" b="1" dirty="0"/>
+              <a:t>Développement de l’automate de gestion d’accès au parking (sur PLC Raspberry) </a:t>
+            </a:r>
+            <a:r>
+              <a:rPr lang="fr-FR" dirty="0"/>
+              <a:t>	</a:t>
+            </a:r>
+            <a:br>
+              <a:rPr lang="fr-FR" dirty="0"/>
+            </a:br>
+            <a:endParaRPr lang="fr-FR" dirty="0"/>
+          </a:p>
+        </p:txBody>
+      </p:sp>
+      <p:sp>
+        <p:nvSpPr>
+          <p:cNvPr id="3" name="Espace réservé du contenu 2">
+            <a:extLst>
+              <a:ext uri="{FF2B5EF4-FFF2-40B4-BE49-F238E27FC236}">
+                <a16:creationId xmlns:a16="http://schemas.microsoft.com/office/drawing/2014/main" id="{EE9053B4-ACD2-4137-9392-6A9122D3CA99}"/>
+              </a:ext>
+            </a:extLst>
+          </p:cNvPr>
+          <p:cNvSpPr>
+            <a:spLocks noGrp="1"/>
+          </p:cNvSpPr>
+          <p:nvPr>
+            <p:ph idx="1"/>
+          </p:nvPr>
+        </p:nvSpPr>
+        <p:spPr>
+          <a:xfrm>
+            <a:off x="685800" y="1604432"/>
+            <a:ext cx="10131425" cy="3649133"/>
+          </a:xfrm>
+        </p:spPr>
+        <p:txBody>
+          <a:bodyPr>
+            <a:normAutofit/>
+          </a:bodyPr>
+          <a:lstStyle/>
+          <a:p>
+            <a:pPr marL="0" indent="0">
+              <a:buNone/>
+            </a:pPr>
+            <a:r>
+              <a:rPr lang="fr-FR" sz="2800" b="1" dirty="0"/>
+              <a:t>Caractéristiques du PLC :</a:t>
+            </a:r>
+            <a:endParaRPr lang="fr-FR" dirty="0"/>
+          </a:p>
+          <a:p>
+            <a:r>
+              <a:rPr lang="fr-FR" dirty="0"/>
+              <a:t>Model : Unipi Axon M205</a:t>
+            </a:r>
+          </a:p>
+          <a:p>
+            <a:r>
+              <a:rPr lang="fr-FR" dirty="0"/>
+              <a:t>OS : Basé sur linux</a:t>
+            </a:r>
+          </a:p>
+          <a:p>
+            <a:r>
+              <a:rPr lang="fr-FR" dirty="0" err="1"/>
+              <a:t>Memoire</a:t>
+            </a:r>
+            <a:r>
+              <a:rPr lang="fr-FR" dirty="0"/>
+              <a:t> </a:t>
+            </a:r>
+            <a:r>
+              <a:rPr lang="fr-FR" b="1" dirty="0"/>
+              <a:t>: </a:t>
+            </a:r>
+            <a:r>
+              <a:rPr lang="fr-FR" dirty="0"/>
+              <a:t>8GB </a:t>
+            </a:r>
+            <a:r>
+              <a:rPr lang="fr-FR" dirty="0" err="1"/>
+              <a:t>eMMC</a:t>
+            </a:r>
+            <a:endParaRPr lang="fr-FR" dirty="0"/>
+          </a:p>
+          <a:p>
+            <a:endParaRPr lang="fr-FR" dirty="0"/>
+          </a:p>
+          <a:p>
+            <a:pPr marL="0" indent="0">
+              <a:buNone/>
+            </a:pPr>
+            <a:endParaRPr lang="fr-FR" dirty="0"/>
+          </a:p>
+          <a:p>
+            <a:endParaRPr lang="fr-FR" dirty="0"/>
+          </a:p>
+        </p:txBody>
+      </p:sp>
+      <p:pic>
+        <p:nvPicPr>
+          <p:cNvPr id="4" name="Espace réservé du contenu 4">
+            <a:extLst>
+              <a:ext uri="{FF2B5EF4-FFF2-40B4-BE49-F238E27FC236}">
+                <a16:creationId xmlns:a16="http://schemas.microsoft.com/office/drawing/2014/main" id="{FD84F458-4DF9-4A06-B1EF-AD0981CFF19C}"/>
+              </a:ext>
+            </a:extLst>
+          </p:cNvPr>
+          <p:cNvPicPr>
+            <a:picLocks noChangeAspect="1"/>
+          </p:cNvPicPr>
+          <p:nvPr/>
+        </p:nvPicPr>
+        <p:blipFill rotWithShape="1">
+          <a:blip r:embed="rId2"/>
+          <a:srcRect l="3695" t="2598" b="1882"/>
+          <a:stretch/>
+        </p:blipFill>
+        <p:spPr>
+          <a:xfrm>
+            <a:off x="6841466" y="1685924"/>
+            <a:ext cx="3975760" cy="3486151"/>
+          </a:xfrm>
+          <a:prstGeom prst="rect">
+            <a:avLst/>
+          </a:prstGeom>
+        </p:spPr>
+      </p:pic>
+      <p:pic>
+        <p:nvPicPr>
+          <p:cNvPr id="8" name="Image 7" descr="Une image contenant capture d’écran&#10;&#10;Description générée automatiquement">
+            <a:extLst>
+              <a:ext uri="{FF2B5EF4-FFF2-40B4-BE49-F238E27FC236}">
+                <a16:creationId xmlns:a16="http://schemas.microsoft.com/office/drawing/2014/main" id="{91E6A4F3-D127-4E43-90EC-0AB16D48A63E}"/>
+              </a:ext>
+            </a:extLst>
+          </p:cNvPr>
+          <p:cNvPicPr>
+            <a:picLocks noChangeAspect="1"/>
+          </p:cNvPicPr>
+          <p:nvPr/>
+        </p:nvPicPr>
+        <p:blipFill>
+          <a:blip r:embed="rId3">
+            <a:extLst>
+              <a:ext uri="{28A0092B-C50C-407E-A947-70E740481C1C}">
+                <a14:useLocalDpi xmlns:a14="http://schemas.microsoft.com/office/drawing/2010/main" val="0"/>
+              </a:ext>
+            </a:extLst>
+          </a:blip>
+          <a:stretch>
+            <a:fillRect/>
+          </a:stretch>
+        </p:blipFill>
+        <p:spPr>
+          <a:xfrm>
+            <a:off x="707231" y="3857471"/>
+            <a:ext cx="6030813" cy="2100418"/>
+          </a:xfrm>
+          <a:prstGeom prst="rect">
+            <a:avLst/>
+          </a:prstGeom>
+        </p:spPr>
+      </p:pic>
+      <p:sp>
+        <p:nvSpPr>
+          <p:cNvPr id="6" name="ZoneTexte 5">
+            <a:extLst>
+              <a:ext uri="{FF2B5EF4-FFF2-40B4-BE49-F238E27FC236}">
+                <a16:creationId xmlns:a16="http://schemas.microsoft.com/office/drawing/2014/main" id="{893F2249-5365-4E2F-B65B-75EF1F20D4C9}"/>
+              </a:ext>
+            </a:extLst>
+          </p:cNvPr>
+          <p:cNvSpPr txBox="1"/>
+          <p:nvPr/>
+        </p:nvSpPr>
+        <p:spPr>
+          <a:xfrm>
+            <a:off x="161925" y="6434138"/>
+            <a:ext cx="1243013" cy="369332"/>
+          </a:xfrm>
+          <a:prstGeom prst="rect">
+            <a:avLst/>
+          </a:prstGeom>
+          <a:noFill/>
+        </p:spPr>
+        <p:txBody>
+          <a:bodyPr wrap="square" rtlCol="0">
+            <a:spAutoFit/>
+          </a:bodyPr>
+          <a:lstStyle/>
+          <a:p>
+            <a:r>
+              <a:rPr lang="fr-FR" dirty="0"/>
+              <a:t>Page 11/13</a:t>
+            </a:r>
+          </a:p>
+        </p:txBody>
+      </p:sp>
+    </p:spTree>
+    <p:extLst>
+      <p:ext uri="{BB962C8B-B14F-4D97-AF65-F5344CB8AC3E}">
+        <p14:creationId xmlns:p14="http://schemas.microsoft.com/office/powerpoint/2010/main" val="4203515563"/>
+      </p:ext>
+    </p:extLst>
+  </p:cSld>
+  <p:clrMapOvr>
+    <a:masterClrMapping/>
+  </p:clrMapOvr>
+</p:sld>
+</file>
+
+<file path=ppt/slides/slide12.xml><?xml version="1.0" encoding="utf-8"?>
 <p:sld xmlns:a="http://schemas.openxmlformats.org/drawingml/2006/main" xmlns:r="http://schemas.openxmlformats.org/officeDocument/2006/relationships" xmlns:p="http://schemas.openxmlformats.org/presentationml/2006/main">
   <p:cSld>
     <p:spTree>
@@ -9767,7 +10194,7 @@
         <p:spPr>
           <a:xfrm>
             <a:off x="9210506" y="1871519"/>
-            <a:ext cx="2704567" cy="3053528"/>
+            <a:ext cx="2704567" cy="4263539"/>
           </a:xfrm>
           <a:prstGeom prst="rect">
             <a:avLst/>
@@ -9805,12 +10232,71 @@
                 <a:spcPts val="800"/>
               </a:spcAft>
             </a:pPr>
+            <a:r>
+              <a:rPr lang="fr-FR" sz="1400" b="1" dirty="0">
+                <a:effectLst/>
+                <a:latin typeface="Calibri" panose="020F0502020204030204" pitchFamily="34" charset="0"/>
+                <a:ea typeface="Calibri" panose="020F0502020204030204" pitchFamily="34" charset="0"/>
+                <a:cs typeface="Calibri" panose="020F0502020204030204" pitchFamily="34" charset="0"/>
+              </a:rPr>
+              <a:t>Horloge temps réel</a:t>
+            </a:r>
+          </a:p>
+          <a:p>
+            <a:pPr>
+              <a:lnSpc>
+                <a:spcPct val="107000"/>
+              </a:lnSpc>
+              <a:spcAft>
+                <a:spcPts val="800"/>
+              </a:spcAft>
+            </a:pPr>
+            <a:r>
+              <a:rPr lang="fr-FR" sz="1400" b="1" dirty="0">
+                <a:latin typeface="Calibri" panose="020F0502020204030204" pitchFamily="34" charset="0"/>
+                <a:ea typeface="Calibri" panose="020F0502020204030204" pitchFamily="34" charset="0"/>
+                <a:cs typeface="Calibri" panose="020F0502020204030204" pitchFamily="34" charset="0"/>
+              </a:rPr>
+              <a:t>Compatible </a:t>
+            </a:r>
+            <a:r>
+              <a:rPr lang="fr-FR" sz="1400" b="1" dirty="0" err="1">
+                <a:latin typeface="Calibri" panose="020F0502020204030204" pitchFamily="34" charset="0"/>
+                <a:ea typeface="Calibri" panose="020F0502020204030204" pitchFamily="34" charset="0"/>
+                <a:cs typeface="Calibri" panose="020F0502020204030204" pitchFamily="34" charset="0"/>
+              </a:rPr>
+              <a:t>raspberry</a:t>
+            </a:r>
             <a:endParaRPr lang="fr-FR" sz="1400" b="1" dirty="0">
-              <a:effectLst/>
               <a:latin typeface="Calibri" panose="020F0502020204030204" pitchFamily="34" charset="0"/>
               <a:ea typeface="Calibri" panose="020F0502020204030204" pitchFamily="34" charset="0"/>
               <a:cs typeface="Calibri" panose="020F0502020204030204" pitchFamily="34" charset="0"/>
             </a:endParaRPr>
+          </a:p>
+          <a:p>
+            <a:pPr>
+              <a:lnSpc>
+                <a:spcPct val="107000"/>
+              </a:lnSpc>
+              <a:spcAft>
+                <a:spcPts val="800"/>
+              </a:spcAft>
+            </a:pPr>
+            <a:r>
+              <a:rPr lang="fr-FR" sz="1400" b="1" dirty="0">
+                <a:effectLst/>
+                <a:latin typeface="Calibri" panose="020F0502020204030204" pitchFamily="34" charset="0"/>
+                <a:ea typeface="Calibri" panose="020F0502020204030204" pitchFamily="34" charset="0"/>
+                <a:cs typeface="Calibri" panose="020F0502020204030204" pitchFamily="34" charset="0"/>
+              </a:rPr>
+              <a:t>4 relais</a:t>
+            </a:r>
+          </a:p>
+          <a:p>
+            <a:r>
+              <a:rPr lang="fr-FR" sz="1400" b="1" dirty="0"/>
+              <a:t>Supporte des entrées jusque a 40 volts DC</a:t>
+            </a:r>
           </a:p>
           <a:p>
             <a:pPr>
@@ -9953,6 +10439,100 @@
           </a:prstGeom>
         </p:spPr>
       </p:pic>
+      <p:sp>
+        <p:nvSpPr>
+          <p:cNvPr id="8" name="ZoneTexte 7">
+            <a:extLst>
+              <a:ext uri="{FF2B5EF4-FFF2-40B4-BE49-F238E27FC236}">
+                <a16:creationId xmlns:a16="http://schemas.microsoft.com/office/drawing/2014/main" id="{81AC82DE-95B2-46E7-9087-EC92D5AB0EFF}"/>
+              </a:ext>
+            </a:extLst>
+          </p:cNvPr>
+          <p:cNvSpPr txBox="1"/>
+          <p:nvPr/>
+        </p:nvSpPr>
+        <p:spPr>
+          <a:xfrm>
+            <a:off x="161925" y="6434138"/>
+            <a:ext cx="1314450" cy="369332"/>
+          </a:xfrm>
+          <a:prstGeom prst="rect">
+            <a:avLst/>
+          </a:prstGeom>
+          <a:noFill/>
+        </p:spPr>
+        <p:txBody>
+          <a:bodyPr wrap="square" rtlCol="0">
+            <a:spAutoFit/>
+          </a:bodyPr>
+          <a:lstStyle/>
+          <a:p>
+            <a:r>
+              <a:rPr lang="fr-FR" dirty="0"/>
+              <a:t>Page 12/13</a:t>
+            </a:r>
+          </a:p>
+        </p:txBody>
+      </p:sp>
+      <p:pic>
+        <p:nvPicPr>
+          <p:cNvPr id="2" name="Image 1">
+            <a:extLst>
+              <a:ext uri="{FF2B5EF4-FFF2-40B4-BE49-F238E27FC236}">
+                <a16:creationId xmlns:a16="http://schemas.microsoft.com/office/drawing/2014/main" id="{4747077F-F212-41F2-A47C-95AC7DFE332B}"/>
+              </a:ext>
+            </a:extLst>
+          </p:cNvPr>
+          <p:cNvPicPr>
+            <a:picLocks noChangeAspect="1"/>
+          </p:cNvPicPr>
+          <p:nvPr/>
+        </p:nvPicPr>
+        <p:blipFill>
+          <a:blip r:embed="rId3"/>
+          <a:stretch>
+            <a:fillRect/>
+          </a:stretch>
+        </p:blipFill>
+        <p:spPr>
+          <a:xfrm>
+            <a:off x="3230879" y="3260656"/>
+            <a:ext cx="2427070" cy="2427070"/>
+          </a:xfrm>
+          <a:prstGeom prst="rect">
+            <a:avLst/>
+          </a:prstGeom>
+        </p:spPr>
+      </p:pic>
+      <p:pic>
+        <p:nvPicPr>
+          <p:cNvPr id="11" name="Espace réservé du contenu 4">
+            <a:extLst>
+              <a:ext uri="{FF2B5EF4-FFF2-40B4-BE49-F238E27FC236}">
+                <a16:creationId xmlns:a16="http://schemas.microsoft.com/office/drawing/2014/main" id="{B5E4A064-129E-4B8A-90A1-EB78B6052996}"/>
+              </a:ext>
+            </a:extLst>
+          </p:cNvPr>
+          <p:cNvPicPr>
+            <a:picLocks noChangeAspect="1"/>
+          </p:cNvPicPr>
+          <p:nvPr/>
+        </p:nvPicPr>
+        <p:blipFill rotWithShape="1">
+          <a:blip r:embed="rId4"/>
+          <a:srcRect l="3695" t="2598" b="1882"/>
+          <a:stretch/>
+        </p:blipFill>
+        <p:spPr>
+          <a:xfrm>
+            <a:off x="106680" y="3597343"/>
+            <a:ext cx="2383965" cy="2090383"/>
+          </a:xfrm>
+          <a:prstGeom prst="rect">
+            <a:avLst/>
+          </a:prstGeom>
+        </p:spPr>
+      </p:pic>
     </p:spTree>
     <p:extLst>
       <p:ext uri="{BB962C8B-B14F-4D97-AF65-F5344CB8AC3E}">
@@ -9966,67 +10546,8 @@
 </p:sld>
 </file>
 
-<file path=ppt/slides/slide11.xml><?xml version="1.0" encoding="utf-8"?>
-<p:sld xmlns:a="http://schemas.openxmlformats.org/drawingml/2006/main" xmlns:r="http://schemas.openxmlformats.org/officeDocument/2006/relationships" xmlns:p="http://schemas.openxmlformats.org/presentationml/2006/main">
-  <p:cSld>
-    <p:spTree>
-      <p:nvGrpSpPr>
-        <p:cNvPr id="1" name=""/>
-        <p:cNvGrpSpPr/>
-        <p:nvPr/>
-      </p:nvGrpSpPr>
-      <p:grpSpPr>
-        <a:xfrm>
-          <a:off x="0" y="0"/>
-          <a:ext cx="0" cy="0"/>
-          <a:chOff x="0" y="0"/>
-          <a:chExt cx="0" cy="0"/>
-        </a:xfrm>
-      </p:grpSpPr>
-      <p:pic>
-        <p:nvPicPr>
-          <p:cNvPr id="4" name="Image 3">
-            <a:extLst>
-              <a:ext uri="{FF2B5EF4-FFF2-40B4-BE49-F238E27FC236}">
-                <a16:creationId xmlns:a16="http://schemas.microsoft.com/office/drawing/2014/main" id="{36E8E7F3-2163-4A33-A5A8-3007E4E91063}"/>
-              </a:ext>
-            </a:extLst>
-          </p:cNvPr>
-          <p:cNvPicPr>
-            <a:picLocks noChangeAspect="1"/>
-          </p:cNvPicPr>
-          <p:nvPr/>
-        </p:nvPicPr>
-        <p:blipFill rotWithShape="1">
-          <a:blip r:embed="rId2"/>
-          <a:srcRect b="4076"/>
-          <a:stretch/>
-        </p:blipFill>
-        <p:spPr>
-          <a:xfrm>
-            <a:off x="850375" y="441960"/>
-            <a:ext cx="9053101" cy="5379720"/>
-          </a:xfrm>
-          <a:prstGeom prst="rect">
-            <a:avLst/>
-          </a:prstGeom>
-        </p:spPr>
-      </p:pic>
-    </p:spTree>
-    <p:extLst>
-      <p:ext uri="{BB962C8B-B14F-4D97-AF65-F5344CB8AC3E}">
-        <p14:creationId xmlns:p14="http://schemas.microsoft.com/office/powerpoint/2010/main" val="2917944477"/>
-      </p:ext>
-    </p:extLst>
-  </p:cSld>
-  <p:clrMapOvr>
-    <a:masterClrMapping/>
-  </p:clrMapOvr>
-</p:sld>
-</file>
-
-<file path=ppt/slides/slide12.xml><?xml version="1.0" encoding="utf-8"?>
-<p:sld xmlns:a="http://schemas.openxmlformats.org/drawingml/2006/main" xmlns:r="http://schemas.openxmlformats.org/officeDocument/2006/relationships" xmlns:p="http://schemas.openxmlformats.org/presentationml/2006/main">
+<file path=ppt/slides/slide13.xml><?xml version="1.0" encoding="utf-8"?>
+<p:sld xmlns:a="http://schemas.openxmlformats.org/drawingml/2006/main" xmlns:r="http://schemas.openxmlformats.org/officeDocument/2006/relationships" xmlns:p="http://schemas.openxmlformats.org/presentationml/2006/main" show="0">
   <p:cSld>
     <p:spTree>
       <p:nvGrpSpPr>
@@ -10056,22 +10577,56 @@
           </p:cNvPicPr>
           <p:nvPr/>
         </p:nvPicPr>
-        <p:blipFill>
+        <p:blipFill rotWithShape="1">
           <a:blip r:embed="rId2"/>
-          <a:stretch>
-            <a:fillRect/>
-          </a:stretch>
+          <a:srcRect l="1460" t="3851" r="1779" b="4074"/>
+          <a:stretch/>
         </p:blipFill>
         <p:spPr>
           <a:xfrm>
-            <a:off x="876300" y="214312"/>
-            <a:ext cx="10439400" cy="6429375"/>
+            <a:off x="1085851" y="285749"/>
+            <a:ext cx="10101262" cy="5919789"/>
           </a:xfrm>
           <a:prstGeom prst="rect">
             <a:avLst/>
           </a:prstGeom>
         </p:spPr>
       </p:pic>
+      <p:sp>
+        <p:nvSpPr>
+          <p:cNvPr id="3" name="ZoneTexte 2">
+            <a:extLst>
+              <a:ext uri="{FF2B5EF4-FFF2-40B4-BE49-F238E27FC236}">
+                <a16:creationId xmlns:a16="http://schemas.microsoft.com/office/drawing/2014/main" id="{FB13E0D6-5BAF-4381-B1D2-5E3522F6EF76}"/>
+              </a:ext>
+            </a:extLst>
+          </p:cNvPr>
+          <p:cNvSpPr txBox="1"/>
+          <p:nvPr/>
+        </p:nvSpPr>
+        <p:spPr>
+          <a:xfrm>
+            <a:off x="161925" y="6434138"/>
+            <a:ext cx="1414463" cy="369332"/>
+          </a:xfrm>
+          <a:prstGeom prst="rect">
+            <a:avLst/>
+          </a:prstGeom>
+          <a:noFill/>
+        </p:spPr>
+        <p:txBody>
+          <a:bodyPr wrap="square" rtlCol="0">
+            <a:spAutoFit/>
+          </a:bodyPr>
+          <a:lstStyle/>
+          <a:p>
+            <a:r>
+              <a:rPr lang="fr-FR" dirty="0"/>
+              <a:t>Page 12/X</a:t>
+            </a:r>
+          </a:p>
+        </p:txBody>
+      </p:sp>
     </p:spTree>
     <p:extLst>
       <p:ext uri="{BB962C8B-B14F-4D97-AF65-F5344CB8AC3E}">
@@ -10085,7 +10640,7 @@
 </p:sld>
 </file>
 
-<file path=ppt/slides/slide13.xml><?xml version="1.0" encoding="utf-8"?>
+<file path=ppt/slides/slide14.xml><?xml version="1.0" encoding="utf-8"?>
 <p:sld xmlns:a="http://schemas.openxmlformats.org/drawingml/2006/main" xmlns:r="http://schemas.openxmlformats.org/officeDocument/2006/relationships" xmlns:p="http://schemas.openxmlformats.org/presentationml/2006/main">
   <p:cSld>
     <p:spTree>
@@ -10172,6 +10727,41 @@
             <a:r>
               <a:rPr lang="fr-FR" dirty="0"/>
               <a:t>Transmettre les information du parking au serveur d’application</a:t>
+            </a:r>
+          </a:p>
+        </p:txBody>
+      </p:sp>
+      <p:sp>
+        <p:nvSpPr>
+          <p:cNvPr id="4" name="ZoneTexte 3">
+            <a:extLst>
+              <a:ext uri="{FF2B5EF4-FFF2-40B4-BE49-F238E27FC236}">
+                <a16:creationId xmlns:a16="http://schemas.microsoft.com/office/drawing/2014/main" id="{DD51C413-E062-46BE-AE49-F3AE9C2EBF8B}"/>
+              </a:ext>
+            </a:extLst>
+          </p:cNvPr>
+          <p:cNvSpPr txBox="1"/>
+          <p:nvPr/>
+        </p:nvSpPr>
+        <p:spPr>
+          <a:xfrm>
+            <a:off x="161925" y="6434138"/>
+            <a:ext cx="1262063" cy="369332"/>
+          </a:xfrm>
+          <a:prstGeom prst="rect">
+            <a:avLst/>
+          </a:prstGeom>
+          <a:noFill/>
+        </p:spPr>
+        <p:txBody>
+          <a:bodyPr wrap="square" rtlCol="0">
+            <a:spAutoFit/>
+          </a:bodyPr>
+          <a:lstStyle/>
+          <a:p>
+            <a:r>
+              <a:rPr lang="fr-FR" dirty="0"/>
+              <a:t>Page 13/13</a:t>
             </a:r>
           </a:p>
         </p:txBody>
@@ -10293,8 +10883,8 @@
         </p:nvSpPr>
         <p:spPr>
           <a:xfrm>
-            <a:off x="685799" y="1150076"/>
-            <a:ext cx="3659389" cy="4557849"/>
+            <a:off x="-393477" y="-1015687"/>
+            <a:ext cx="4683516" cy="4557849"/>
           </a:xfrm>
         </p:spPr>
         <p:txBody>
@@ -10379,7 +10969,7 @@
         </p:nvSpPr>
         <p:spPr>
           <a:xfrm>
-            <a:off x="5042446" y="3319535"/>
+            <a:off x="5251996" y="1733623"/>
             <a:ext cx="6517543" cy="4557849"/>
           </a:xfrm>
         </p:spPr>
@@ -10450,7 +11040,7 @@
         </p:nvGrpSpPr>
         <p:grpSpPr>
           <a:xfrm>
-            <a:off x="6839655" y="66675"/>
+            <a:off x="230364" y="2007164"/>
             <a:ext cx="4352211" cy="4284308"/>
             <a:chOff x="6782505" y="0"/>
             <a:chExt cx="4352211" cy="4284308"/>
@@ -10544,6 +11134,41 @@
           </p:spPr>
         </p:pic>
       </p:grpSp>
+      <p:sp>
+        <p:nvSpPr>
+          <p:cNvPr id="13" name="ZoneTexte 12">
+            <a:extLst>
+              <a:ext uri="{FF2B5EF4-FFF2-40B4-BE49-F238E27FC236}">
+                <a16:creationId xmlns:a16="http://schemas.microsoft.com/office/drawing/2014/main" id="{32D5CB85-6A84-42F8-8303-0A7890D376CA}"/>
+              </a:ext>
+            </a:extLst>
+          </p:cNvPr>
+          <p:cNvSpPr txBox="1"/>
+          <p:nvPr/>
+        </p:nvSpPr>
+        <p:spPr>
+          <a:xfrm>
+            <a:off x="161925" y="6434138"/>
+            <a:ext cx="1295400" cy="369332"/>
+          </a:xfrm>
+          <a:prstGeom prst="rect">
+            <a:avLst/>
+          </a:prstGeom>
+          <a:noFill/>
+        </p:spPr>
+        <p:txBody>
+          <a:bodyPr wrap="square" rtlCol="0">
+            <a:spAutoFit/>
+          </a:bodyPr>
+          <a:lstStyle/>
+          <a:p>
+            <a:r>
+              <a:rPr lang="fr-FR" dirty="0"/>
+              <a:t>Page 2/13</a:t>
+            </a:r>
+          </a:p>
+        </p:txBody>
+      </p:sp>
     </p:spTree>
     <p:extLst>
       <p:ext uri="{BB962C8B-B14F-4D97-AF65-F5344CB8AC3E}">
@@ -10790,6 +11415,41 @@
                 <a:cs typeface="Calibri"/>
               </a:rPr>
               <a:t>Supervision à distance de l'occupation du parking, possibilité de réserver des places pour certains utilisateurs spécifiques.</a:t>
+            </a:r>
+          </a:p>
+        </p:txBody>
+      </p:sp>
+      <p:sp>
+        <p:nvSpPr>
+          <p:cNvPr id="6" name="ZoneTexte 5">
+            <a:extLst>
+              <a:ext uri="{FF2B5EF4-FFF2-40B4-BE49-F238E27FC236}">
+                <a16:creationId xmlns:a16="http://schemas.microsoft.com/office/drawing/2014/main" id="{ACC0550E-A52F-453B-AB6A-ED366069FF3C}"/>
+              </a:ext>
+            </a:extLst>
+          </p:cNvPr>
+          <p:cNvSpPr txBox="1"/>
+          <p:nvPr/>
+        </p:nvSpPr>
+        <p:spPr>
+          <a:xfrm>
+            <a:off x="161925" y="6434138"/>
+            <a:ext cx="1238250" cy="369332"/>
+          </a:xfrm>
+          <a:prstGeom prst="rect">
+            <a:avLst/>
+          </a:prstGeom>
+          <a:noFill/>
+        </p:spPr>
+        <p:txBody>
+          <a:bodyPr wrap="square" rtlCol="0">
+            <a:spAutoFit/>
+          </a:bodyPr>
+          <a:lstStyle/>
+          <a:p>
+            <a:r>
+              <a:rPr lang="fr-FR" dirty="0"/>
+              <a:t>Page 3/13</a:t>
             </a:r>
           </a:p>
         </p:txBody>
@@ -11044,6 +11704,41 @@
             <a:endParaRPr lang="fr-FR" dirty="0">
               <a:cs typeface="Calibri"/>
             </a:endParaRPr>
+          </a:p>
+        </p:txBody>
+      </p:sp>
+      <p:sp>
+        <p:nvSpPr>
+          <p:cNvPr id="6" name="ZoneTexte 5">
+            <a:extLst>
+              <a:ext uri="{FF2B5EF4-FFF2-40B4-BE49-F238E27FC236}">
+                <a16:creationId xmlns:a16="http://schemas.microsoft.com/office/drawing/2014/main" id="{DDD5ED95-576D-4D35-A716-11CB8F00612F}"/>
+              </a:ext>
+            </a:extLst>
+          </p:cNvPr>
+          <p:cNvSpPr txBox="1"/>
+          <p:nvPr/>
+        </p:nvSpPr>
+        <p:spPr>
+          <a:xfrm>
+            <a:off x="161925" y="6434138"/>
+            <a:ext cx="1166813" cy="369332"/>
+          </a:xfrm>
+          <a:prstGeom prst="rect">
+            <a:avLst/>
+          </a:prstGeom>
+          <a:noFill/>
+        </p:spPr>
+        <p:txBody>
+          <a:bodyPr wrap="square" rtlCol="0">
+            <a:spAutoFit/>
+          </a:bodyPr>
+          <a:lstStyle/>
+          <a:p>
+            <a:r>
+              <a:rPr lang="fr-FR" dirty="0"/>
+              <a:t>Page 4/13</a:t>
+            </a:r>
           </a:p>
         </p:txBody>
       </p:sp>
@@ -11790,6 +12485,45 @@
           </a:graphicData>
         </a:graphic>
       </p:graphicFrame>
+      <p:sp>
+        <p:nvSpPr>
+          <p:cNvPr id="6" name="ZoneTexte 5">
+            <a:extLst>
+              <a:ext uri="{FF2B5EF4-FFF2-40B4-BE49-F238E27FC236}">
+                <a16:creationId xmlns:a16="http://schemas.microsoft.com/office/drawing/2014/main" id="{F63AC10E-478D-4452-B6F1-5406B1D322C3}"/>
+              </a:ext>
+            </a:extLst>
+          </p:cNvPr>
+          <p:cNvSpPr txBox="1"/>
+          <p:nvPr/>
+        </p:nvSpPr>
+        <p:spPr>
+          <a:xfrm>
+            <a:off x="161925" y="6434138"/>
+            <a:ext cx="1266825" cy="369332"/>
+          </a:xfrm>
+          <a:prstGeom prst="rect">
+            <a:avLst/>
+          </a:prstGeom>
+          <a:noFill/>
+        </p:spPr>
+        <p:txBody>
+          <a:bodyPr wrap="square" rtlCol="0">
+            <a:spAutoFit/>
+          </a:bodyPr>
+          <a:lstStyle/>
+          <a:p>
+            <a:r>
+              <a:rPr lang="fr-FR" dirty="0">
+                <a:solidFill>
+                  <a:schemeClr val="bg1"/>
+                </a:solidFill>
+              </a:rPr>
+              <a:t>Page 5/13</a:t>
+            </a:r>
+          </a:p>
+        </p:txBody>
+      </p:sp>
     </p:spTree>
     <p:extLst>
       <p:ext uri="{BB962C8B-B14F-4D97-AF65-F5344CB8AC3E}">
@@ -14349,6 +15083,45 @@
           </a:p>
         </p:txBody>
       </p:sp>
+      <p:sp>
+        <p:nvSpPr>
+          <p:cNvPr id="10" name="ZoneTexte 9">
+            <a:extLst>
+              <a:ext uri="{FF2B5EF4-FFF2-40B4-BE49-F238E27FC236}">
+                <a16:creationId xmlns:a16="http://schemas.microsoft.com/office/drawing/2014/main" id="{F9F9F143-2815-414D-AD98-336F429037BE}"/>
+              </a:ext>
+            </a:extLst>
+          </p:cNvPr>
+          <p:cNvSpPr txBox="1"/>
+          <p:nvPr/>
+        </p:nvSpPr>
+        <p:spPr>
+          <a:xfrm>
+            <a:off x="161925" y="6434138"/>
+            <a:ext cx="1195388" cy="369332"/>
+          </a:xfrm>
+          <a:prstGeom prst="rect">
+            <a:avLst/>
+          </a:prstGeom>
+          <a:noFill/>
+        </p:spPr>
+        <p:txBody>
+          <a:bodyPr wrap="square" rtlCol="0">
+            <a:spAutoFit/>
+          </a:bodyPr>
+          <a:lstStyle/>
+          <a:p>
+            <a:r>
+              <a:rPr lang="fr-FR" dirty="0">
+                <a:solidFill>
+                  <a:schemeClr val="bg1"/>
+                </a:solidFill>
+              </a:rPr>
+              <a:t>Page 6/13</a:t>
+            </a:r>
+          </a:p>
+        </p:txBody>
+      </p:sp>
     </p:spTree>
     <p:extLst>
       <p:ext uri="{BB962C8B-B14F-4D97-AF65-F5344CB8AC3E}">
@@ -14379,12 +15152,42 @@
           <a:chExt cx="0" cy="0"/>
         </a:xfrm>
       </p:grpSpPr>
+      <p:pic>
+        <p:nvPicPr>
+          <p:cNvPr id="5" name="Image 4">
+            <a:extLst>
+              <a:ext uri="{FF2B5EF4-FFF2-40B4-BE49-F238E27FC236}">
+                <a16:creationId xmlns:a16="http://schemas.microsoft.com/office/drawing/2014/main" id="{1086EE95-C895-414F-8741-8F2BD74F48FD}"/>
+              </a:ext>
+            </a:extLst>
+          </p:cNvPr>
+          <p:cNvPicPr>
+            <a:picLocks noChangeAspect="1"/>
+          </p:cNvPicPr>
+          <p:nvPr/>
+        </p:nvPicPr>
+        <p:blipFill>
+          <a:blip r:embed="rId2"/>
+          <a:stretch>
+            <a:fillRect/>
+          </a:stretch>
+        </p:blipFill>
+        <p:spPr>
+          <a:xfrm>
+            <a:off x="1752599" y="1710292"/>
+            <a:ext cx="7719359" cy="4897452"/>
+          </a:xfrm>
+          <a:prstGeom prst="rect">
+            <a:avLst/>
+          </a:prstGeom>
+        </p:spPr>
+      </p:pic>
       <p:sp>
         <p:nvSpPr>
-          <p:cNvPr id="2" name="Titre 1">
+          <p:cNvPr id="6" name="Titre 1">
             <a:extLst>
               <a:ext uri="{FF2B5EF4-FFF2-40B4-BE49-F238E27FC236}">
-                <a16:creationId xmlns:a16="http://schemas.microsoft.com/office/drawing/2014/main" id="{C92BAFFE-F692-4089-8C82-9D869922FCB0}"/>
+                <a16:creationId xmlns:a16="http://schemas.microsoft.com/office/drawing/2014/main" id="{8C7EEDDC-0FB7-4E7C-B938-E4BB436E899E}"/>
               </a:ext>
             </a:extLst>
           </p:cNvPr>
@@ -14395,16 +15198,21 @@
             <p:ph type="title"/>
           </p:nvPr>
         </p:nvSpPr>
-        <p:spPr/>
+        <p:spPr>
+          <a:xfrm>
+            <a:off x="685801" y="609600"/>
+            <a:ext cx="10131425" cy="1456267"/>
+          </a:xfrm>
+        </p:spPr>
         <p:txBody>
           <a:bodyPr>
-            <a:normAutofit fontScale="90000"/>
+            <a:normAutofit/>
           </a:bodyPr>
           <a:lstStyle/>
           <a:p>
             <a:r>
               <a:rPr lang="fr-FR" b="1" dirty="0"/>
-              <a:t>Développement de l’automate de gestion d’accès au parking (sur PLC Raspberry) </a:t>
+              <a:t>Diagramme De cas d’utilisation</a:t>
             </a:r>
             <a:r>
               <a:rPr lang="fr-FR" dirty="0"/>
@@ -14419,81 +15227,43 @@
       </p:sp>
       <p:sp>
         <p:nvSpPr>
-          <p:cNvPr id="3" name="Espace réservé du contenu 2">
+          <p:cNvPr id="7" name="ZoneTexte 6">
             <a:extLst>
               <a:ext uri="{FF2B5EF4-FFF2-40B4-BE49-F238E27FC236}">
-                <a16:creationId xmlns:a16="http://schemas.microsoft.com/office/drawing/2014/main" id="{EE9053B4-ACD2-4137-9392-6A9122D3CA99}"/>
+                <a16:creationId xmlns:a16="http://schemas.microsoft.com/office/drawing/2014/main" id="{8E6DBE84-4022-487A-8A50-71C2B88B21A7}"/>
               </a:ext>
             </a:extLst>
           </p:cNvPr>
-          <p:cNvSpPr>
-            <a:spLocks noGrp="1"/>
-          </p:cNvSpPr>
-          <p:nvPr>
-            <p:ph idx="1"/>
-          </p:nvPr>
+          <p:cNvSpPr txBox="1"/>
+          <p:nvPr/>
         </p:nvSpPr>
-        <p:spPr/>
+        <p:spPr>
+          <a:xfrm>
+            <a:off x="161925" y="6434138"/>
+            <a:ext cx="1143000" cy="369332"/>
+          </a:xfrm>
+          <a:prstGeom prst="rect">
+            <a:avLst/>
+          </a:prstGeom>
+          <a:noFill/>
+        </p:spPr>
         <p:txBody>
-          <a:bodyPr/>
+          <a:bodyPr wrap="square" rtlCol="0">
+            <a:spAutoFit/>
+          </a:bodyPr>
           <a:lstStyle/>
           <a:p>
-            <a:pPr marL="0" indent="0">
-              <a:buNone/>
-            </a:pPr>
-            <a:r>
-              <a:rPr lang="fr-FR" sz="2800" b="1" dirty="0"/>
-              <a:t>Fonction assurées :</a:t>
-            </a:r>
-          </a:p>
-          <a:p>
-            <a:pPr marL="0" indent="0">
-              <a:buNone/>
-            </a:pPr>
-            <a:endParaRPr lang="fr-FR" dirty="0"/>
-          </a:p>
-          <a:p>
-            <a:r>
-              <a:rPr lang="fr-FR" i="1" dirty="0"/>
-              <a:t>Lecture des badges HID depuis le PLC </a:t>
-            </a:r>
-            <a:endParaRPr lang="fr-FR" dirty="0"/>
-          </a:p>
-          <a:p>
-            <a:r>
-              <a:rPr lang="fr-FR" i="1" dirty="0"/>
-              <a:t>Commandes d’ouverture du portail </a:t>
-            </a:r>
-            <a:endParaRPr lang="fr-FR" dirty="0"/>
-          </a:p>
-          <a:p>
-            <a:r>
-              <a:rPr lang="fr-FR" i="1" dirty="0"/>
-              <a:t>Commande du voyant « parking plein » </a:t>
-            </a:r>
-            <a:endParaRPr lang="fr-FR" dirty="0"/>
-          </a:p>
-          <a:p>
-            <a:r>
-              <a:rPr lang="fr-FR" i="1" dirty="0"/>
-              <a:t>Communication avec le serveur d’application (taux d’occupation, identification utilisateurs) </a:t>
-            </a:r>
-          </a:p>
-          <a:p>
             <a:r>
               <a:rPr lang="fr-FR" dirty="0"/>
-              <a:t>Recherche sur le fonctionnement de la détection sans contact RFID 		</a:t>
-            </a:r>
-          </a:p>
-          <a:p>
-            <a:endParaRPr lang="fr-FR" dirty="0"/>
+              <a:t>Page 7/13</a:t>
+            </a:r>
           </a:p>
         </p:txBody>
       </p:sp>
     </p:spTree>
     <p:extLst>
       <p:ext uri="{BB962C8B-B14F-4D97-AF65-F5344CB8AC3E}">
-        <p14:creationId xmlns:p14="http://schemas.microsoft.com/office/powerpoint/2010/main" val="2791757882"/>
+        <p14:creationId xmlns:p14="http://schemas.microsoft.com/office/powerpoint/2010/main" val="322663746"/>
       </p:ext>
     </p:extLst>
   </p:cSld>
@@ -14576,9 +15346,7 @@
         </p:nvSpPr>
         <p:spPr/>
         <p:txBody>
-          <a:bodyPr>
-            <a:normAutofit fontScale="85000" lnSpcReduction="20000"/>
-          </a:bodyPr>
+          <a:bodyPr/>
           <a:lstStyle/>
           <a:p>
             <a:pPr marL="0" indent="0">
@@ -14586,77 +15354,84 @@
             </a:pPr>
             <a:r>
               <a:rPr lang="fr-FR" sz="2800" b="1" dirty="0"/>
-              <a:t>Taches à réaliser :</a:t>
-            </a:r>
-            <a:endParaRPr lang="fr-FR" dirty="0"/>
+              <a:t>Fonction assurées :</a:t>
+            </a:r>
           </a:p>
           <a:p>
             <a:pPr marL="0" indent="0">
               <a:buNone/>
             </a:pPr>
-            <a:r>
-              <a:rPr lang="fr-FR" u="sng" dirty="0"/>
-              <a:t>Installation :</a:t>
+            <a:endParaRPr lang="fr-FR" dirty="0"/>
+          </a:p>
+          <a:p>
+            <a:r>
+              <a:rPr lang="fr-FR" i="1" dirty="0"/>
+              <a:t>Lecture des badges HID depuis le PLC </a:t>
+            </a:r>
+            <a:endParaRPr lang="fr-FR" dirty="0"/>
+          </a:p>
+          <a:p>
+            <a:r>
+              <a:rPr lang="fr-FR" i="1" dirty="0"/>
+              <a:t>Commandes d’ouverture du portail </a:t>
+            </a:r>
+            <a:endParaRPr lang="fr-FR" dirty="0"/>
+          </a:p>
+          <a:p>
+            <a:r>
+              <a:rPr lang="fr-FR" i="1" dirty="0"/>
+              <a:t>Commande du voyant « parking plein » </a:t>
+            </a:r>
+            <a:endParaRPr lang="fr-FR" dirty="0"/>
+          </a:p>
+          <a:p>
+            <a:r>
+              <a:rPr lang="fr-FR" i="1" dirty="0"/>
+              <a:t>Communication avec le serveur d’application (taux d’occupation, identification utilisateurs) </a:t>
             </a:r>
           </a:p>
           <a:p>
             <a:r>
               <a:rPr lang="fr-FR" dirty="0"/>
-              <a:t>Installation du PLC</a:t>
-            </a:r>
-          </a:p>
+              <a:t>Recherche sur le fonctionnement de la détection sans contact RFID 		</a:t>
+            </a:r>
+          </a:p>
+          <a:p>
+            <a:endParaRPr lang="fr-FR" dirty="0"/>
+          </a:p>
+        </p:txBody>
+      </p:sp>
+      <p:sp>
+        <p:nvSpPr>
+          <p:cNvPr id="4" name="ZoneTexte 3">
+            <a:extLst>
+              <a:ext uri="{FF2B5EF4-FFF2-40B4-BE49-F238E27FC236}">
+                <a16:creationId xmlns:a16="http://schemas.microsoft.com/office/drawing/2014/main" id="{A9F278A1-DB2F-4AC3-9936-FB98C5C6443E}"/>
+              </a:ext>
+            </a:extLst>
+          </p:cNvPr>
+          <p:cNvSpPr txBox="1"/>
+          <p:nvPr/>
+        </p:nvSpPr>
+        <p:spPr>
+          <a:xfrm>
+            <a:off x="161925" y="6434138"/>
+            <a:ext cx="1147763" cy="369332"/>
+          </a:xfrm>
+          <a:prstGeom prst="rect">
+            <a:avLst/>
+          </a:prstGeom>
+          <a:noFill/>
+        </p:spPr>
+        <p:txBody>
+          <a:bodyPr wrap="square" rtlCol="0">
+            <a:spAutoFit/>
+          </a:bodyPr>
+          <a:lstStyle/>
           <a:p>
             <a:r>
               <a:rPr lang="fr-FR" dirty="0"/>
-              <a:t>Installation Bornes d’accès , voyant et actionneurs</a:t>
-            </a:r>
-          </a:p>
-          <a:p>
-            <a:r>
-              <a:rPr lang="fr-FR" dirty="0"/>
-              <a:t>Installation de l’OS du PLC</a:t>
-            </a:r>
-          </a:p>
-          <a:p>
-            <a:pPr marL="0" indent="0">
-              <a:buNone/>
-            </a:pPr>
-            <a:r>
-              <a:rPr lang="fr-FR" u="sng" dirty="0"/>
-              <a:t>Mise en places :</a:t>
-            </a:r>
-          </a:p>
-          <a:p>
-            <a:r>
-              <a:rPr lang="fr-FR" dirty="0"/>
-              <a:t>PLC</a:t>
-            </a:r>
-          </a:p>
-          <a:p>
-            <a:r>
-              <a:rPr lang="fr-FR" dirty="0"/>
-              <a:t>Lecteur de badges HID/RFID</a:t>
-            </a:r>
-          </a:p>
-          <a:p>
-            <a:r>
-              <a:rPr lang="fr-FR" dirty="0"/>
-              <a:t>Commande des Entrée sortie du PLC</a:t>
-            </a:r>
-          </a:p>
-          <a:p>
-            <a:pPr marL="0" indent="0">
-              <a:buNone/>
-            </a:pPr>
-            <a:r>
-              <a:rPr lang="fr-FR" u="sng" dirty="0"/>
-              <a:t>Configuration :</a:t>
-            </a:r>
-          </a:p>
-          <a:p>
-            <a:r>
-              <a:rPr lang="fr-FR" dirty="0"/>
-              <a:t>PLC</a:t>
+              <a:t>Page 8/13</a:t>
             </a:r>
           </a:p>
         </p:txBody>
@@ -14664,7 +15439,7 @@
     </p:spTree>
     <p:extLst>
       <p:ext uri="{BB962C8B-B14F-4D97-AF65-F5344CB8AC3E}">
-        <p14:creationId xmlns:p14="http://schemas.microsoft.com/office/powerpoint/2010/main" val="869739142"/>
+        <p14:creationId xmlns:p14="http://schemas.microsoft.com/office/powerpoint/2010/main" val="2791757882"/>
       </p:ext>
     </p:extLst>
   </p:cSld>
@@ -14748,7 +15523,7 @@
         <p:spPr/>
         <p:txBody>
           <a:bodyPr>
-            <a:normAutofit/>
+            <a:normAutofit fontScale="85000" lnSpcReduction="20000"/>
           </a:bodyPr>
           <a:lstStyle/>
           <a:p>
@@ -14757,128 +15532,120 @@
             </a:pPr>
             <a:r>
               <a:rPr lang="fr-FR" sz="2800" b="1" dirty="0"/>
-              <a:t>Caractéristiques du PLC :</a:t>
-            </a:r>
-            <a:endParaRPr lang="fr-FR" dirty="0"/>
-          </a:p>
-          <a:p>
-            <a:r>
-              <a:rPr lang="fr-FR" dirty="0"/>
-              <a:t>Model : Unipi Axon M205</a:t>
-            </a:r>
-          </a:p>
-          <a:p>
-            <a:r>
-              <a:rPr lang="fr-FR" dirty="0"/>
-              <a:t>OS : Basé sur linux</a:t>
-            </a:r>
-          </a:p>
-          <a:p>
-            <a:r>
-              <a:rPr lang="fr-FR" dirty="0" err="1"/>
-              <a:t>Memoire</a:t>
-            </a:r>
-            <a:r>
-              <a:rPr lang="fr-FR" dirty="0"/>
-              <a:t> </a:t>
-            </a:r>
-            <a:r>
-              <a:rPr lang="fr-FR" b="1" dirty="0"/>
-              <a:t>: </a:t>
-            </a:r>
-            <a:r>
-              <a:rPr lang="fr-FR" dirty="0"/>
-              <a:t>8GB </a:t>
-            </a:r>
-            <a:r>
-              <a:rPr lang="fr-FR" dirty="0" err="1"/>
-              <a:t>eMMC</a:t>
-            </a:r>
-            <a:endParaRPr lang="fr-FR" dirty="0"/>
-          </a:p>
-          <a:p>
+              <a:t>Taches à réaliser :</a:t>
+            </a:r>
             <a:endParaRPr lang="fr-FR" dirty="0"/>
           </a:p>
           <a:p>
             <a:pPr marL="0" indent="0">
               <a:buNone/>
             </a:pPr>
-            <a:endParaRPr lang="fr-FR" dirty="0"/>
-          </a:p>
-          <a:p>
-            <a:endParaRPr lang="fr-FR" dirty="0"/>
+            <a:r>
+              <a:rPr lang="fr-FR" u="sng" dirty="0"/>
+              <a:t>Installation :</a:t>
+            </a:r>
+          </a:p>
+          <a:p>
+            <a:r>
+              <a:rPr lang="fr-FR" dirty="0"/>
+              <a:t>Installation du PLC</a:t>
+            </a:r>
+          </a:p>
+          <a:p>
+            <a:r>
+              <a:rPr lang="fr-FR" dirty="0"/>
+              <a:t>Installation Bornes d’accès , voyant et actionneurs</a:t>
+            </a:r>
+          </a:p>
+          <a:p>
+            <a:r>
+              <a:rPr lang="fr-FR" dirty="0"/>
+              <a:t>Installation de l’OS du PLC</a:t>
+            </a:r>
+          </a:p>
+          <a:p>
+            <a:pPr marL="0" indent="0">
+              <a:buNone/>
+            </a:pPr>
+            <a:r>
+              <a:rPr lang="fr-FR" u="sng" dirty="0"/>
+              <a:t>Mise en places :</a:t>
+            </a:r>
+          </a:p>
+          <a:p>
+            <a:r>
+              <a:rPr lang="fr-FR" dirty="0"/>
+              <a:t>PLC</a:t>
+            </a:r>
+          </a:p>
+          <a:p>
+            <a:r>
+              <a:rPr lang="fr-FR" dirty="0"/>
+              <a:t>Lecteur de badges HID/RFID</a:t>
+            </a:r>
+          </a:p>
+          <a:p>
+            <a:r>
+              <a:rPr lang="fr-FR" dirty="0"/>
+              <a:t>Commande des Entrée sortie du PLC</a:t>
+            </a:r>
+          </a:p>
+          <a:p>
+            <a:pPr marL="0" indent="0">
+              <a:buNone/>
+            </a:pPr>
+            <a:r>
+              <a:rPr lang="fr-FR" u="sng" dirty="0"/>
+              <a:t>Configuration :</a:t>
+            </a:r>
+          </a:p>
+          <a:p>
+            <a:r>
+              <a:rPr lang="fr-FR" dirty="0"/>
+              <a:t>PLC</a:t>
+            </a:r>
           </a:p>
         </p:txBody>
       </p:sp>
-      <p:pic>
-        <p:nvPicPr>
-          <p:cNvPr id="4" name="Espace réservé du contenu 4">
+      <p:sp>
+        <p:nvSpPr>
+          <p:cNvPr id="4" name="ZoneTexte 3">
             <a:extLst>
               <a:ext uri="{FF2B5EF4-FFF2-40B4-BE49-F238E27FC236}">
-                <a16:creationId xmlns:a16="http://schemas.microsoft.com/office/drawing/2014/main" id="{FD84F458-4DF9-4A06-B1EF-AD0981CFF19C}"/>
+                <a16:creationId xmlns:a16="http://schemas.microsoft.com/office/drawing/2014/main" id="{6BD64A1A-20B1-43F2-BB3F-93F40D77A4B3}"/>
               </a:ext>
             </a:extLst>
           </p:cNvPr>
-          <p:cNvPicPr>
-            <a:picLocks noChangeAspect="1"/>
-          </p:cNvPicPr>
+          <p:cNvSpPr txBox="1"/>
           <p:nvPr/>
-        </p:nvPicPr>
-        <p:blipFill rotWithShape="1">
-          <a:blip r:embed="rId2"/>
-          <a:srcRect l="3695" t="2598" b="1882"/>
-          <a:stretch/>
-        </p:blipFill>
+        </p:nvSpPr>
         <p:spPr>
           <a:xfrm>
-            <a:off x="6841466" y="1685924"/>
-            <a:ext cx="3975760" cy="3486151"/>
+            <a:off x="161925" y="6434138"/>
+            <a:ext cx="1090613" cy="646331"/>
           </a:xfrm>
           <a:prstGeom prst="rect">
             <a:avLst/>
           </a:prstGeom>
+          <a:noFill/>
         </p:spPr>
-      </p:pic>
-      <p:pic>
-        <p:nvPicPr>
-          <p:cNvPr id="8" name="Image 7" descr="Une image contenant capture d’écran&#10;&#10;Description générée automatiquement">
-            <a:extLst>
-              <a:ext uri="{FF2B5EF4-FFF2-40B4-BE49-F238E27FC236}">
-                <a16:creationId xmlns:a16="http://schemas.microsoft.com/office/drawing/2014/main" id="{91E6A4F3-D127-4E43-90EC-0AB16D48A63E}"/>
-              </a:ext>
-            </a:extLst>
-          </p:cNvPr>
-          <p:cNvPicPr>
-            <a:picLocks noChangeAspect="1"/>
-          </p:cNvPicPr>
-          <p:nvPr/>
-        </p:nvPicPr>
-        <p:blipFill>
-          <a:blip r:embed="rId3">
-            <a:extLst>
-              <a:ext uri="{28A0092B-C50C-407E-A947-70E740481C1C}">
-                <a14:useLocalDpi xmlns:a14="http://schemas.microsoft.com/office/drawing/2010/main" val="0"/>
-              </a:ext>
-            </a:extLst>
-          </a:blip>
-          <a:stretch>
-            <a:fillRect/>
-          </a:stretch>
-        </p:blipFill>
-        <p:spPr>
-          <a:xfrm>
-            <a:off x="685801" y="4371820"/>
-            <a:ext cx="6373114" cy="2219635"/>
-          </a:xfrm>
-          <a:prstGeom prst="rect">
-            <a:avLst/>
-          </a:prstGeom>
-        </p:spPr>
-      </p:pic>
+        <p:txBody>
+          <a:bodyPr wrap="square" rtlCol="0">
+            <a:spAutoFit/>
+          </a:bodyPr>
+          <a:lstStyle/>
+          <a:p>
+            <a:r>
+              <a:rPr lang="fr-FR" dirty="0"/>
+              <a:t>Page 9/13</a:t>
+            </a:r>
+          </a:p>
+        </p:txBody>
+      </p:sp>
     </p:spTree>
     <p:extLst>
       <p:ext uri="{BB962C8B-B14F-4D97-AF65-F5344CB8AC3E}">
-        <p14:creationId xmlns:p14="http://schemas.microsoft.com/office/powerpoint/2010/main" val="4203515563"/>
+        <p14:creationId xmlns:p14="http://schemas.microsoft.com/office/powerpoint/2010/main" val="869739142"/>
       </p:ext>
     </p:extLst>
   </p:cSld>
